--- a/proposal/thesisproposal.pptx
+++ b/proposal/thesisproposal.pptx
@@ -5,30 +5,32 @@
     <p:sldMasterId id="2147483648" r:id="rId1"/>
   </p:sldMasterIdLst>
   <p:notesMasterIdLst>
-    <p:notesMasterId r:id="rId20"/>
+    <p:notesMasterId r:id="rId22"/>
   </p:notesMasterIdLst>
   <p:handoutMasterIdLst>
-    <p:handoutMasterId r:id="rId21"/>
+    <p:handoutMasterId r:id="rId23"/>
   </p:handoutMasterIdLst>
   <p:sldIdLst>
     <p:sldId id="257" r:id="rId2"/>
     <p:sldId id="276" r:id="rId3"/>
     <p:sldId id="277" r:id="rId4"/>
-    <p:sldId id="278" r:id="rId5"/>
-    <p:sldId id="279" r:id="rId6"/>
-    <p:sldId id="280" r:id="rId7"/>
-    <p:sldId id="281" r:id="rId8"/>
-    <p:sldId id="282" r:id="rId9"/>
-    <p:sldId id="283" r:id="rId10"/>
-    <p:sldId id="284" r:id="rId11"/>
-    <p:sldId id="285" r:id="rId12"/>
-    <p:sldId id="286" r:id="rId13"/>
-    <p:sldId id="287" r:id="rId14"/>
-    <p:sldId id="288" r:id="rId15"/>
-    <p:sldId id="289" r:id="rId16"/>
-    <p:sldId id="290" r:id="rId17"/>
-    <p:sldId id="291" r:id="rId18"/>
-    <p:sldId id="292" r:id="rId19"/>
+    <p:sldId id="280" r:id="rId5"/>
+    <p:sldId id="281" r:id="rId6"/>
+    <p:sldId id="282" r:id="rId7"/>
+    <p:sldId id="293" r:id="rId8"/>
+    <p:sldId id="278" r:id="rId9"/>
+    <p:sldId id="279" r:id="rId10"/>
+    <p:sldId id="283" r:id="rId11"/>
+    <p:sldId id="284" r:id="rId12"/>
+    <p:sldId id="285" r:id="rId13"/>
+    <p:sldId id="286" r:id="rId14"/>
+    <p:sldId id="287" r:id="rId15"/>
+    <p:sldId id="288" r:id="rId16"/>
+    <p:sldId id="289" r:id="rId17"/>
+    <p:sldId id="290" r:id="rId18"/>
+    <p:sldId id="291" r:id="rId19"/>
+    <p:sldId id="292" r:id="rId20"/>
+    <p:sldId id="294" r:id="rId21"/>
   </p:sldIdLst>
   <p:sldSz cx="9144000" cy="6858000" type="screen4x3"/>
   <p:notesSz cx="6858000" cy="9144000"/>
@@ -242,7 +244,7 @@
           <a:p>
             <a:fld id="{82B922B9-2264-964A-82F3-898AF2BDE8DC}" type="datetimeFigureOut">
               <a:rPr lang="en-US" smtClean="0"/>
-              <a:t>4/8/17</a:t>
+              <a:t>4/25/17</a:t>
             </a:fld>
             <a:endParaRPr lang="en-US"/>
           </a:p>
@@ -996,14 +998,6 @@
           <a:bodyPr/>
           <a:lstStyle/>
           <a:p>
-            <a:r>
-              <a:rPr lang="en-US" dirty="0" smtClean="0"/>
-              <a:t>Let’s step back to the linear regime</a:t>
-            </a:r>
-            <a:r>
-              <a:rPr lang="en-US" baseline="0" dirty="0" smtClean="0"/>
-              <a:t> for a moment but consider a more sophisticated NS model. That is, a NS w/ superfluid core. Here I will be talking about resonant tidal excitations in SF NSs.</a:t>
-            </a:r>
             <a:endParaRPr lang="en-US" dirty="0"/>
           </a:p>
         </p:txBody>
@@ -1616,7 +1610,15 @@
           <a:p>
             <a:r>
               <a:rPr lang="en-US" dirty="0" smtClean="0"/>
-              <a:t>Hang Yu, 01/28/2017</a:t>
+              <a:t>Hang Yu, </a:t>
+            </a:r>
+            <a:r>
+              <a:rPr lang="en-US" dirty="0" smtClean="0"/>
+              <a:t>04/26/</a:t>
+            </a:r>
+            <a:r>
+              <a:rPr lang="en-US" dirty="0" smtClean="0"/>
+              <a:t>2017</a:t>
             </a:r>
             <a:endParaRPr lang="en-US" dirty="0"/>
           </a:p>
@@ -3499,7 +3501,15 @@
           <a:p>
             <a:r>
               <a:rPr lang="en-US" dirty="0" smtClean="0"/>
-              <a:t>Hang Yu, 01/28/2017</a:t>
+              <a:t>Hang Yu, </a:t>
+            </a:r>
+            <a:r>
+              <a:rPr lang="en-US" dirty="0" smtClean="0"/>
+              <a:t>04/26/</a:t>
+            </a:r>
+            <a:r>
+              <a:rPr lang="en-US" dirty="0" smtClean="0"/>
+              <a:t>2017</a:t>
             </a:r>
           </a:p>
           <a:p>
@@ -4116,7 +4126,19 @@
           <a:p>
             <a:r>
               <a:rPr lang="en-US" dirty="0" smtClean="0"/>
-              <a:t>April 08, 2017</a:t>
+              <a:t>April </a:t>
+            </a:r>
+            <a:r>
+              <a:rPr lang="en-US" dirty="0" smtClean="0"/>
+              <a:t>26</a:t>
+            </a:r>
+            <a:r>
+              <a:rPr lang="en-US" dirty="0" smtClean="0"/>
+              <a:t>, </a:t>
+            </a:r>
+            <a:r>
+              <a:rPr lang="en-US" dirty="0" smtClean="0"/>
+              <a:t>2017</a:t>
             </a:r>
             <a:endParaRPr lang="en-US" dirty="0"/>
           </a:p>
@@ -4169,7 +4191,174 @@
             <p:ph type="title"/>
           </p:nvPr>
         </p:nvSpPr>
+        <p:spPr>
+          <a:xfrm>
+            <a:off x="762000" y="457200"/>
+            <a:ext cx="7967660" cy="1239839"/>
+          </a:xfrm>
+        </p:spPr>
+        <p:txBody>
+          <a:bodyPr/>
+          <a:lstStyle/>
+          <a:p>
+            <a:r>
+              <a:rPr lang="en-US" dirty="0" smtClean="0"/>
+              <a:t>II. IMPROVING THE PERFORMANCE OF GW DETECTORS </a:t>
+            </a:r>
+            <a:endParaRPr lang="en-US" dirty="0"/>
+          </a:p>
+        </p:txBody>
+      </p:sp>
+      <p:sp>
+        <p:nvSpPr>
+          <p:cNvPr id="3" name="Content Placeholder 2"/>
+          <p:cNvSpPr>
+            <a:spLocks noGrp="1"/>
+          </p:cNvSpPr>
+          <p:nvPr>
+            <p:ph idx="1"/>
+          </p:nvPr>
+        </p:nvSpPr>
+        <p:spPr>
+          <a:xfrm>
+            <a:off x="815975" y="1676400"/>
+            <a:ext cx="7221538" cy="4419600"/>
+          </a:xfrm>
+        </p:spPr>
+        <p:txBody>
+          <a:bodyPr/>
+          <a:lstStyle/>
+          <a:p>
+            <a:r>
+              <a:rPr lang="en-US" dirty="0" smtClean="0"/>
+              <a:t>II.1 LIGO commissioning: alignment sensing and control (ASC)</a:t>
+            </a:r>
+          </a:p>
+          <a:p>
+            <a:r>
+              <a:rPr lang="en-US" dirty="0" smtClean="0"/>
+              <a:t>II.2 </a:t>
+            </a:r>
+            <a:r>
+              <a:rPr lang="en-US" dirty="0" err="1" smtClean="0"/>
+              <a:t>GWcleaning</a:t>
+            </a:r>
+            <a:r>
+              <a:rPr lang="en-US" dirty="0" smtClean="0"/>
+              <a:t>: feed-forward noise cancellation</a:t>
+            </a:r>
+          </a:p>
+          <a:p>
+            <a:r>
+              <a:rPr lang="en-US" dirty="0" smtClean="0"/>
+              <a:t>II.3 Enhanced chi-</a:t>
+            </a:r>
+            <a:r>
+              <a:rPr lang="en-US" dirty="0" err="1" smtClean="0"/>
+              <a:t>sq</a:t>
+            </a:r>
+            <a:r>
+              <a:rPr lang="en-US" dirty="0" smtClean="0"/>
+              <a:t> glitch vetoing</a:t>
+            </a:r>
+          </a:p>
+          <a:p>
+            <a:r>
+              <a:rPr lang="en-US" dirty="0" smtClean="0"/>
+              <a:t>(II.4 Coating thermal noise)</a:t>
+            </a:r>
+            <a:endParaRPr lang="en-US" dirty="0"/>
+          </a:p>
+        </p:txBody>
+      </p:sp>
+      <p:sp>
+        <p:nvSpPr>
+          <p:cNvPr id="4" name="Slide Number Placeholder 3"/>
+          <p:cNvSpPr>
+            <a:spLocks noGrp="1"/>
+          </p:cNvSpPr>
+          <p:nvPr>
+            <p:ph type="sldNum" sz="quarter" idx="10"/>
+          </p:nvPr>
+        </p:nvSpPr>
         <p:spPr/>
+        <p:txBody>
+          <a:bodyPr/>
+          <a:lstStyle/>
+          <a:p>
+            <a:r>
+              <a:rPr lang="en-US" dirty="0" smtClean="0"/>
+              <a:t>Hang Yu, </a:t>
+            </a:r>
+            <a:r>
+              <a:rPr lang="en-US" dirty="0" smtClean="0"/>
+              <a:t>04/26/</a:t>
+            </a:r>
+            <a:r>
+              <a:rPr lang="en-US" dirty="0" smtClean="0"/>
+              <a:t>2017</a:t>
+            </a:r>
+          </a:p>
+          <a:p>
+            <a:r>
+              <a:rPr lang="en-US" dirty="0" smtClean="0"/>
+              <a:t>Page </a:t>
+            </a:r>
+            <a:fld id="{162C6750-5235-4A4D-958D-651A0012696B}" type="slidenum">
+              <a:rPr lang="en-US" smtClean="0"/>
+              <a:pPr/>
+              <a:t>10</a:t>
+            </a:fld>
+            <a:endParaRPr lang="en-US" dirty="0"/>
+          </a:p>
+        </p:txBody>
+      </p:sp>
+    </p:spTree>
+    <p:extLst>
+      <p:ext uri="{BB962C8B-B14F-4D97-AF65-F5344CB8AC3E}">
+        <p14:creationId xmlns:p14="http://schemas.microsoft.com/office/powerpoint/2010/main" val="2207623910"/>
+      </p:ext>
+    </p:extLst>
+  </p:cSld>
+  <p:clrMapOvr>
+    <a:masterClrMapping/>
+  </p:clrMapOvr>
+</p:sld>
+</file>
+
+<file path=ppt/slides/slide11.xml><?xml version="1.0" encoding="utf-8"?>
+<p:sld xmlns:a="http://schemas.openxmlformats.org/drawingml/2006/main" xmlns:r="http://schemas.openxmlformats.org/officeDocument/2006/relationships" xmlns:p="http://schemas.openxmlformats.org/presentationml/2006/main">
+  <p:cSld>
+    <p:spTree>
+      <p:nvGrpSpPr>
+        <p:cNvPr id="1" name=""/>
+        <p:cNvGrpSpPr/>
+        <p:nvPr/>
+      </p:nvGrpSpPr>
+      <p:grpSpPr>
+        <a:xfrm>
+          <a:off x="0" y="0"/>
+          <a:ext cx="0" cy="0"/>
+          <a:chOff x="0" y="0"/>
+          <a:chExt cx="0" cy="0"/>
+        </a:xfrm>
+      </p:grpSpPr>
+      <p:sp>
+        <p:nvSpPr>
+          <p:cNvPr id="2" name="Title 1"/>
+          <p:cNvSpPr>
+            <a:spLocks noGrp="1"/>
+          </p:cNvSpPr>
+          <p:nvPr>
+            <p:ph type="title"/>
+          </p:nvPr>
+        </p:nvSpPr>
+        <p:spPr>
+          <a:xfrm>
+            <a:off x="990600" y="588961"/>
+            <a:ext cx="7107237" cy="1239839"/>
+          </a:xfrm>
+        </p:spPr>
         <p:txBody>
           <a:bodyPr/>
           <a:lstStyle/>
@@ -4207,7 +4396,7 @@
         </p:blipFill>
         <p:spPr>
           <a:xfrm>
-            <a:off x="3141662" y="1752600"/>
+            <a:off x="3141662" y="1676400"/>
             <a:ext cx="7221538" cy="4114800"/>
           </a:xfrm>
         </p:spPr>
@@ -4228,19 +4417,27 @@
           <a:lstStyle/>
           <a:p>
             <a:r>
-              <a:rPr lang="en-US" smtClean="0"/>
-              <a:t>Hang Yu, 01/28/2017</a:t>
-            </a:r>
-          </a:p>
-          <a:p>
-            <a:r>
-              <a:rPr lang="en-US" smtClean="0"/>
+              <a:rPr lang="en-US" dirty="0" smtClean="0"/>
+              <a:t>Hang Yu, </a:t>
+            </a:r>
+            <a:r>
+              <a:rPr lang="en-US" dirty="0" smtClean="0"/>
+              <a:t>04/26/</a:t>
+            </a:r>
+            <a:r>
+              <a:rPr lang="en-US" dirty="0" smtClean="0"/>
+              <a:t>2017</a:t>
+            </a:r>
+          </a:p>
+          <a:p>
+            <a:r>
+              <a:rPr lang="en-US" dirty="0" smtClean="0"/>
               <a:t>Page </a:t>
             </a:r>
             <a:fld id="{162C6750-5235-4A4D-958D-651A0012696B}" type="slidenum">
               <a:rPr lang="en-US" smtClean="0"/>
               <a:pPr/>
-              <a:t>10</a:t>
+              <a:t>11</a:t>
             </a:fld>
             <a:endParaRPr lang="en-US" dirty="0"/>
           </a:p>
@@ -4267,8 +4464,8 @@
         </p:blipFill>
         <p:spPr>
           <a:xfrm>
-            <a:off x="914400" y="4267200"/>
-            <a:ext cx="2341368" cy="2403686"/>
+            <a:off x="838200" y="1472431"/>
+            <a:ext cx="2128516" cy="2185169"/>
           </a:xfrm>
           <a:prstGeom prst="rect">
             <a:avLst/>
@@ -4297,8 +4494,8 @@
         </p:blipFill>
         <p:spPr>
           <a:xfrm>
-            <a:off x="0" y="1828800"/>
-            <a:ext cx="4502018" cy="2358541"/>
+            <a:off x="381000" y="3733800"/>
+            <a:ext cx="4092744" cy="2144128"/>
           </a:xfrm>
           <a:prstGeom prst="rect">
             <a:avLst/>
@@ -4313,7 +4510,7 @@
         </p:nvSpPr>
         <p:spPr>
           <a:xfrm>
-            <a:off x="7230722" y="1828800"/>
+            <a:off x="4191000" y="5257800"/>
             <a:ext cx="1925978" cy="461665"/>
           </a:xfrm>
           <a:prstGeom prst="rect">
@@ -4357,136 +4554,6 @@
     <p:extLst>
       <p:ext uri="{BB962C8B-B14F-4D97-AF65-F5344CB8AC3E}">
         <p14:creationId xmlns:p14="http://schemas.microsoft.com/office/powerpoint/2010/main" val="4087690973"/>
-      </p:ext>
-    </p:extLst>
-  </p:cSld>
-  <p:clrMapOvr>
-    <a:masterClrMapping/>
-  </p:clrMapOvr>
-</p:sld>
-</file>
-
-<file path=ppt/slides/slide11.xml><?xml version="1.0" encoding="utf-8"?>
-<p:sld xmlns:a="http://schemas.openxmlformats.org/drawingml/2006/main" xmlns:r="http://schemas.openxmlformats.org/officeDocument/2006/relationships" xmlns:p="http://schemas.openxmlformats.org/presentationml/2006/main">
-  <p:cSld>
-    <p:spTree>
-      <p:nvGrpSpPr>
-        <p:cNvPr id="1" name=""/>
-        <p:cNvGrpSpPr/>
-        <p:nvPr/>
-      </p:nvGrpSpPr>
-      <p:grpSpPr>
-        <a:xfrm>
-          <a:off x="0" y="0"/>
-          <a:ext cx="0" cy="0"/>
-          <a:chOff x="0" y="0"/>
-          <a:chExt cx="0" cy="0"/>
-        </a:xfrm>
-      </p:grpSpPr>
-      <p:sp>
-        <p:nvSpPr>
-          <p:cNvPr id="2" name="Title 1"/>
-          <p:cNvSpPr>
-            <a:spLocks noGrp="1"/>
-          </p:cNvSpPr>
-          <p:nvPr>
-            <p:ph type="title"/>
-          </p:nvPr>
-        </p:nvSpPr>
-        <p:spPr/>
-        <p:txBody>
-          <a:bodyPr/>
-          <a:lstStyle/>
-          <a:p>
-            <a:r>
-              <a:rPr lang="en-US" dirty="0" smtClean="0"/>
-              <a:t>Aligning the SRC</a:t>
-            </a:r>
-            <a:endParaRPr lang="en-US" dirty="0"/>
-          </a:p>
-        </p:txBody>
-      </p:sp>
-      <p:sp>
-        <p:nvSpPr>
-          <p:cNvPr id="3" name="Content Placeholder 2"/>
-          <p:cNvSpPr>
-            <a:spLocks noGrp="1"/>
-          </p:cNvSpPr>
-          <p:nvPr>
-            <p:ph idx="1"/>
-          </p:nvPr>
-        </p:nvSpPr>
-        <p:spPr/>
-        <p:txBody>
-          <a:bodyPr/>
-          <a:lstStyle/>
-          <a:p>
-            <a:r>
-              <a:rPr lang="en-US" dirty="0" smtClean="0"/>
-              <a:t>SRC ASC signal problematic at LHO</a:t>
-            </a:r>
-          </a:p>
-          <a:p>
-            <a:r>
-              <a:rPr lang="en-US" dirty="0" smtClean="0"/>
-              <a:t>Related to IFO thermal state</a:t>
-            </a:r>
-          </a:p>
-          <a:p>
-            <a:r>
-              <a:rPr lang="en-US" dirty="0" smtClean="0"/>
-              <a:t>Extra absorption at ITMX found -&gt; caused differential thermal lensing</a:t>
-            </a:r>
-          </a:p>
-          <a:p>
-            <a:r>
-              <a:rPr lang="en-US" dirty="0" smtClean="0"/>
-              <a:t>This can potentially explain why SRC ASC signal being bad.</a:t>
-            </a:r>
-          </a:p>
-          <a:p>
-            <a:endParaRPr lang="en-US" dirty="0"/>
-          </a:p>
-        </p:txBody>
-      </p:sp>
-      <p:sp>
-        <p:nvSpPr>
-          <p:cNvPr id="4" name="Slide Number Placeholder 3"/>
-          <p:cNvSpPr>
-            <a:spLocks noGrp="1"/>
-          </p:cNvSpPr>
-          <p:nvPr>
-            <p:ph type="sldNum" sz="quarter" idx="10"/>
-          </p:nvPr>
-        </p:nvSpPr>
-        <p:spPr/>
-        <p:txBody>
-          <a:bodyPr/>
-          <a:lstStyle/>
-          <a:p>
-            <a:r>
-              <a:rPr lang="en-US" smtClean="0"/>
-              <a:t>Hang Yu, 01/28/2017</a:t>
-            </a:r>
-          </a:p>
-          <a:p>
-            <a:r>
-              <a:rPr lang="en-US" smtClean="0"/>
-              <a:t>Page </a:t>
-            </a:r>
-            <a:fld id="{162C6750-5235-4A4D-958D-651A0012696B}" type="slidenum">
-              <a:rPr lang="en-US" smtClean="0"/>
-              <a:pPr/>
-              <a:t>11</a:t>
-            </a:fld>
-            <a:endParaRPr lang="en-US" dirty="0"/>
-          </a:p>
-        </p:txBody>
-      </p:sp>
-    </p:spTree>
-    <p:extLst>
-      <p:ext uri="{BB962C8B-B14F-4D97-AF65-F5344CB8AC3E}">
-        <p14:creationId xmlns:p14="http://schemas.microsoft.com/office/powerpoint/2010/main" val="2046033013"/>
       </p:ext>
     </p:extLst>
   </p:cSld>
@@ -4528,7 +4595,54 @@
           <a:bodyPr/>
           <a:lstStyle/>
           <a:p>
-            <a:endParaRPr lang="en-US"/>
+            <a:r>
+              <a:rPr lang="en-US" dirty="0" smtClean="0"/>
+              <a:t>Aligning the SRC</a:t>
+            </a:r>
+            <a:endParaRPr lang="en-US" dirty="0"/>
+          </a:p>
+        </p:txBody>
+      </p:sp>
+      <p:sp>
+        <p:nvSpPr>
+          <p:cNvPr id="3" name="Content Placeholder 2"/>
+          <p:cNvSpPr>
+            <a:spLocks noGrp="1"/>
+          </p:cNvSpPr>
+          <p:nvPr>
+            <p:ph idx="1"/>
+          </p:nvPr>
+        </p:nvSpPr>
+        <p:spPr/>
+        <p:txBody>
+          <a:bodyPr/>
+          <a:lstStyle/>
+          <a:p>
+            <a:r>
+              <a:rPr lang="en-US" dirty="0" smtClean="0"/>
+              <a:t>SRC ASC signal problematic at LHO</a:t>
+            </a:r>
+          </a:p>
+          <a:p>
+            <a:r>
+              <a:rPr lang="en-US" dirty="0" smtClean="0"/>
+              <a:t>Related to IFO thermal state</a:t>
+            </a:r>
+          </a:p>
+          <a:p>
+            <a:r>
+              <a:rPr lang="en-US" dirty="0" smtClean="0"/>
+              <a:t>Extra absorption at ITMX found -&gt; caused differential thermal lensing</a:t>
+            </a:r>
+          </a:p>
+          <a:p>
+            <a:r>
+              <a:rPr lang="en-US" dirty="0" smtClean="0"/>
+              <a:t>This can potentially explain why SRC ASC signal being bad.</a:t>
+            </a:r>
+          </a:p>
+          <a:p>
+            <a:endParaRPr lang="en-US" dirty="0"/>
           </a:p>
         </p:txBody>
       </p:sp>
@@ -4548,19 +4662,118 @@
           <a:lstStyle/>
           <a:p>
             <a:r>
-              <a:rPr lang="en-US" smtClean="0"/>
-              <a:t>Hang Yu, 01/28/2017</a:t>
-            </a:r>
-          </a:p>
-          <a:p>
-            <a:r>
-              <a:rPr lang="en-US" smtClean="0"/>
+              <a:rPr lang="en-US" dirty="0" smtClean="0"/>
+              <a:t>Hang Yu, </a:t>
+            </a:r>
+            <a:r>
+              <a:rPr lang="en-US" dirty="0" smtClean="0"/>
+              <a:t>04/26/</a:t>
+            </a:r>
+            <a:r>
+              <a:rPr lang="en-US" dirty="0" smtClean="0"/>
+              <a:t>2017</a:t>
+            </a:r>
+          </a:p>
+          <a:p>
+            <a:r>
+              <a:rPr lang="en-US" dirty="0" smtClean="0"/>
               <a:t>Page </a:t>
             </a:r>
             <a:fld id="{162C6750-5235-4A4D-958D-651A0012696B}" type="slidenum">
               <a:rPr lang="en-US" smtClean="0"/>
               <a:pPr/>
               <a:t>12</a:t>
+            </a:fld>
+            <a:endParaRPr lang="en-US" dirty="0"/>
+          </a:p>
+        </p:txBody>
+      </p:sp>
+    </p:spTree>
+    <p:extLst>
+      <p:ext uri="{BB962C8B-B14F-4D97-AF65-F5344CB8AC3E}">
+        <p14:creationId xmlns:p14="http://schemas.microsoft.com/office/powerpoint/2010/main" val="2046033013"/>
+      </p:ext>
+    </p:extLst>
+  </p:cSld>
+  <p:clrMapOvr>
+    <a:masterClrMapping/>
+  </p:clrMapOvr>
+</p:sld>
+</file>
+
+<file path=ppt/slides/slide13.xml><?xml version="1.0" encoding="utf-8"?>
+<p:sld xmlns:a="http://schemas.openxmlformats.org/drawingml/2006/main" xmlns:r="http://schemas.openxmlformats.org/officeDocument/2006/relationships" xmlns:p="http://schemas.openxmlformats.org/presentationml/2006/main">
+  <p:cSld>
+    <p:spTree>
+      <p:nvGrpSpPr>
+        <p:cNvPr id="1" name=""/>
+        <p:cNvGrpSpPr/>
+        <p:nvPr/>
+      </p:nvGrpSpPr>
+      <p:grpSpPr>
+        <a:xfrm>
+          <a:off x="0" y="0"/>
+          <a:ext cx="0" cy="0"/>
+          <a:chOff x="0" y="0"/>
+          <a:chExt cx="0" cy="0"/>
+        </a:xfrm>
+      </p:grpSpPr>
+      <p:sp>
+        <p:nvSpPr>
+          <p:cNvPr id="2" name="Title 1"/>
+          <p:cNvSpPr>
+            <a:spLocks noGrp="1"/>
+          </p:cNvSpPr>
+          <p:nvPr>
+            <p:ph type="title"/>
+          </p:nvPr>
+        </p:nvSpPr>
+        <p:spPr/>
+        <p:txBody>
+          <a:bodyPr/>
+          <a:lstStyle/>
+          <a:p>
+            <a:endParaRPr lang="en-US"/>
+          </a:p>
+        </p:txBody>
+      </p:sp>
+      <p:sp>
+        <p:nvSpPr>
+          <p:cNvPr id="4" name="Slide Number Placeholder 3"/>
+          <p:cNvSpPr>
+            <a:spLocks noGrp="1"/>
+          </p:cNvSpPr>
+          <p:nvPr>
+            <p:ph type="sldNum" sz="quarter" idx="10"/>
+          </p:nvPr>
+        </p:nvSpPr>
+        <p:spPr/>
+        <p:txBody>
+          <a:bodyPr/>
+          <a:lstStyle/>
+          <a:p>
+            <a:r>
+              <a:rPr lang="en-US" dirty="0" smtClean="0"/>
+              <a:t>Hang Yu, </a:t>
+            </a:r>
+            <a:r>
+              <a:rPr lang="en-US" dirty="0" smtClean="0"/>
+              <a:t>04/26/</a:t>
+            </a:r>
+            <a:r>
+              <a:rPr lang="en-US" dirty="0" smtClean="0"/>
+              <a:t>2017</a:t>
+            </a:r>
+          </a:p>
+          <a:p>
+            <a:r>
+              <a:rPr lang="en-US" dirty="0" smtClean="0"/>
+              <a:t>Page </a:t>
+            </a:r>
+            <a:fld id="{162C6750-5235-4A4D-958D-651A0012696B}" type="slidenum">
+              <a:rPr lang="en-US" smtClean="0"/>
+              <a:pPr/>
+              <a:t>13</a:t>
             </a:fld>
             <a:endParaRPr lang="en-US" dirty="0"/>
           </a:p>
@@ -5112,7 +5325,7 @@
         </p:blipFill>
         <p:spPr>
           <a:xfrm>
-            <a:off x="1249829" y="3467100"/>
+            <a:off x="1447800" y="3352800"/>
             <a:ext cx="6217771" cy="3314700"/>
           </a:xfrm>
         </p:spPr>
@@ -5190,7 +5403,7 @@
 </p:sld>
 </file>
 
-<file path=ppt/slides/slide13.xml><?xml version="1.0" encoding="utf-8"?>
+<file path=ppt/slides/slide14.xml><?xml version="1.0" encoding="utf-8"?>
 <p:sld xmlns:a="http://schemas.openxmlformats.org/drawingml/2006/main" xmlns:r="http://schemas.openxmlformats.org/officeDocument/2006/relationships" xmlns:p="http://schemas.openxmlformats.org/presentationml/2006/main">
   <p:cSld>
     <p:spTree>
@@ -5280,19 +5493,27 @@
           <a:lstStyle/>
           <a:p>
             <a:r>
-              <a:rPr lang="en-US" smtClean="0"/>
-              <a:t>Hang Yu, 01/28/2017</a:t>
-            </a:r>
-          </a:p>
-          <a:p>
-            <a:r>
-              <a:rPr lang="en-US" smtClean="0"/>
+              <a:rPr lang="en-US" dirty="0" smtClean="0"/>
+              <a:t>Hang Yu, </a:t>
+            </a:r>
+            <a:r>
+              <a:rPr lang="en-US" dirty="0" smtClean="0"/>
+              <a:t>04/26/</a:t>
+            </a:r>
+            <a:r>
+              <a:rPr lang="en-US" dirty="0" smtClean="0"/>
+              <a:t>2017</a:t>
+            </a:r>
+          </a:p>
+          <a:p>
+            <a:r>
+              <a:rPr lang="en-US" dirty="0" smtClean="0"/>
               <a:t>Page </a:t>
             </a:r>
             <a:fld id="{162C6750-5235-4A4D-958D-651A0012696B}" type="slidenum">
               <a:rPr lang="en-US" smtClean="0"/>
               <a:pPr/>
-              <a:t>13</a:t>
+              <a:t>14</a:t>
             </a:fld>
             <a:endParaRPr lang="en-US" dirty="0"/>
           </a:p>
@@ -5371,139 +5592,6 @@
 </p:sld>
 </file>
 
-<file path=ppt/slides/slide14.xml><?xml version="1.0" encoding="utf-8"?>
-<p:sld xmlns:a="http://schemas.openxmlformats.org/drawingml/2006/main" xmlns:r="http://schemas.openxmlformats.org/officeDocument/2006/relationships" xmlns:p="http://schemas.openxmlformats.org/presentationml/2006/main">
-  <p:cSld>
-    <p:spTree>
-      <p:nvGrpSpPr>
-        <p:cNvPr id="1" name=""/>
-        <p:cNvGrpSpPr/>
-        <p:nvPr/>
-      </p:nvGrpSpPr>
-      <p:grpSpPr>
-        <a:xfrm>
-          <a:off x="0" y="0"/>
-          <a:ext cx="0" cy="0"/>
-          <a:chOff x="0" y="0"/>
-          <a:chExt cx="0" cy="0"/>
-        </a:xfrm>
-      </p:grpSpPr>
-      <p:sp>
-        <p:nvSpPr>
-          <p:cNvPr id="2" name="Title 1"/>
-          <p:cNvSpPr>
-            <a:spLocks noGrp="1"/>
-          </p:cNvSpPr>
-          <p:nvPr>
-            <p:ph type="title"/>
-          </p:nvPr>
-        </p:nvSpPr>
-        <p:spPr>
-          <a:xfrm>
-            <a:off x="1023940" y="436561"/>
-            <a:ext cx="7107237" cy="1239839"/>
-          </a:xfrm>
-        </p:spPr>
-        <p:txBody>
-          <a:bodyPr/>
-          <a:lstStyle/>
-          <a:p>
-            <a:r>
-              <a:rPr lang="en-US" dirty="0" smtClean="0"/>
-              <a:t>GWCLEANING: FEED-FORWARD NOISE CANCELLATION</a:t>
-            </a:r>
-            <a:endParaRPr lang="en-US" dirty="0"/>
-          </a:p>
-        </p:txBody>
-      </p:sp>
-      <p:sp>
-        <p:nvSpPr>
-          <p:cNvPr id="3" name="Content Placeholder 2"/>
-          <p:cNvSpPr>
-            <a:spLocks noGrp="1"/>
-          </p:cNvSpPr>
-          <p:nvPr>
-            <p:ph idx="1"/>
-          </p:nvPr>
-        </p:nvSpPr>
-        <p:spPr/>
-        <p:txBody>
-          <a:bodyPr/>
-          <a:lstStyle/>
-          <a:p>
-            <a:r>
-              <a:rPr lang="en-US" dirty="0" smtClean="0"/>
-              <a:t>Different degrees of freedom are cross-coupled</a:t>
-            </a:r>
-          </a:p>
-          <a:p>
-            <a:r>
-              <a:rPr lang="en-US" dirty="0" smtClean="0"/>
-              <a:t>Local: angle to length; length to angle</a:t>
-            </a:r>
-          </a:p>
-          <a:p>
-            <a:r>
-              <a:rPr lang="en-US" dirty="0" smtClean="0"/>
-              <a:t>Global: seismic to length; length to angle</a:t>
-            </a:r>
-          </a:p>
-          <a:p>
-            <a:r>
-              <a:rPr lang="en-US" dirty="0" smtClean="0"/>
-              <a:t>Decouple via feed-forward</a:t>
-            </a:r>
-            <a:endParaRPr lang="en-US" dirty="0"/>
-          </a:p>
-        </p:txBody>
-      </p:sp>
-      <p:sp>
-        <p:nvSpPr>
-          <p:cNvPr id="4" name="Slide Number Placeholder 3"/>
-          <p:cNvSpPr>
-            <a:spLocks noGrp="1"/>
-          </p:cNvSpPr>
-          <p:nvPr>
-            <p:ph type="sldNum" sz="quarter" idx="10"/>
-          </p:nvPr>
-        </p:nvSpPr>
-        <p:spPr/>
-        <p:txBody>
-          <a:bodyPr/>
-          <a:lstStyle/>
-          <a:p>
-            <a:r>
-              <a:rPr lang="en-US" smtClean="0"/>
-              <a:t>Hang Yu, 01/28/2017</a:t>
-            </a:r>
-          </a:p>
-          <a:p>
-            <a:r>
-              <a:rPr lang="en-US" smtClean="0"/>
-              <a:t>Page </a:t>
-            </a:r>
-            <a:fld id="{162C6750-5235-4A4D-958D-651A0012696B}" type="slidenum">
-              <a:rPr lang="en-US" smtClean="0"/>
-              <a:pPr/>
-              <a:t>14</a:t>
-            </a:fld>
-            <a:endParaRPr lang="en-US" dirty="0"/>
-          </a:p>
-        </p:txBody>
-      </p:sp>
-    </p:spTree>
-    <p:extLst>
-      <p:ext uri="{BB962C8B-B14F-4D97-AF65-F5344CB8AC3E}">
-        <p14:creationId xmlns:p14="http://schemas.microsoft.com/office/powerpoint/2010/main" val="1826292553"/>
-      </p:ext>
-    </p:extLst>
-  </p:cSld>
-  <p:clrMapOvr>
-    <a:masterClrMapping/>
-  </p:clrMapOvr>
-</p:sld>
-</file>
-
 <file path=ppt/slides/slide15.xml><?xml version="1.0" encoding="utf-8"?>
 <p:sld xmlns:a="http://schemas.openxmlformats.org/drawingml/2006/main" xmlns:r="http://schemas.openxmlformats.org/officeDocument/2006/relationships" xmlns:p="http://schemas.openxmlformats.org/presentationml/2006/main">
   <p:cSld>
@@ -5531,14 +5619,19 @@
             <p:ph type="title"/>
           </p:nvPr>
         </p:nvSpPr>
-        <p:spPr/>
+        <p:spPr>
+          <a:xfrm>
+            <a:off x="1023940" y="436561"/>
+            <a:ext cx="7107237" cy="1239839"/>
+          </a:xfrm>
+        </p:spPr>
         <p:txBody>
           <a:bodyPr/>
           <a:lstStyle/>
           <a:p>
             <a:r>
               <a:rPr lang="en-US" dirty="0" smtClean="0"/>
-              <a:t>Local Feed-Forward</a:t>
+              <a:t>GWCLEANING: FEED-FORWARD NOISE CANCELLATION</a:t>
             </a:r>
             <a:endParaRPr lang="en-US" dirty="0"/>
           </a:p>
@@ -5554,52 +5647,43 @@
             <p:ph idx="1"/>
           </p:nvPr>
         </p:nvSpPr>
-        <p:spPr>
-          <a:xfrm>
-            <a:off x="304800" y="1600200"/>
-            <a:ext cx="4594225" cy="4114800"/>
-          </a:xfrm>
-        </p:spPr>
+        <p:spPr/>
         <p:txBody>
           <a:bodyPr/>
           <a:lstStyle/>
           <a:p>
             <a:r>
               <a:rPr lang="en-US" dirty="0" smtClean="0"/>
-              <a:t>Local coupling: </a:t>
-            </a:r>
-          </a:p>
-          <a:p>
-            <a:pPr lvl="1"/>
-            <a:r>
-              <a:rPr lang="en-US" dirty="0" smtClean="0"/>
-              <a:t>Spot </a:t>
-            </a:r>
-            <a:r>
-              <a:rPr lang="en-US" dirty="0" err="1" smtClean="0"/>
-              <a:t>mis</a:t>
-            </a:r>
-            <a:r>
-              <a:rPr lang="en-US" dirty="0"/>
-              <a:t>-</a:t>
-            </a:r>
-            <a:r>
-              <a:rPr lang="en-US" dirty="0" smtClean="0"/>
-              <a:t>centering couples angular motion to length</a:t>
-            </a:r>
-          </a:p>
-          <a:p>
-            <a:pPr lvl="1"/>
-            <a:r>
-              <a:rPr lang="en-US" dirty="0" smtClean="0"/>
-              <a:t>Suspension system couples length actuation to angular motion</a:t>
-            </a:r>
-          </a:p>
-          <a:p>
-            <a:pPr lvl="1"/>
-            <a:r>
-              <a:rPr lang="en-US" dirty="0" smtClean="0"/>
-              <a:t>Can be canceled with single-input-single-output system</a:t>
+              <a:t>Different degrees of freedom are cross-coupled</a:t>
+            </a:r>
+          </a:p>
+          <a:p>
+            <a:r>
+              <a:rPr lang="en-US" dirty="0" smtClean="0"/>
+              <a:t>Local: angle to length; length to angle</a:t>
+            </a:r>
+          </a:p>
+          <a:p>
+            <a:r>
+              <a:rPr lang="en-US" dirty="0" smtClean="0"/>
+              <a:t>Global: seismic to length; length to </a:t>
+            </a:r>
+            <a:r>
+              <a:rPr lang="en-US" dirty="0" smtClean="0"/>
+              <a:t>angle</a:t>
+            </a:r>
+          </a:p>
+          <a:p>
+            <a:r>
+              <a:rPr lang="en-US" dirty="0" smtClean="0"/>
+              <a:t>Suppressing noise via feed-back challenging: high gain to suppress motion, but low bandwidth to avoid sensor noise injection</a:t>
+            </a:r>
+            <a:endParaRPr lang="en-US" dirty="0" smtClean="0"/>
+          </a:p>
+          <a:p>
+            <a:r>
+              <a:rPr lang="en-US" dirty="0" smtClean="0"/>
+              <a:t>Decouple via feed-forward</a:t>
             </a:r>
             <a:endParaRPr lang="en-US" dirty="0"/>
           </a:p>
@@ -5621,19 +5705,183 @@
           <a:lstStyle/>
           <a:p>
             <a:r>
-              <a:rPr lang="en-US" smtClean="0"/>
-              <a:t>Hang Yu, 01/28/2017</a:t>
-            </a:r>
-          </a:p>
-          <a:p>
-            <a:r>
-              <a:rPr lang="en-US" smtClean="0"/>
+              <a:rPr lang="en-US" dirty="0" smtClean="0"/>
+              <a:t>Hang Yu, </a:t>
+            </a:r>
+            <a:r>
+              <a:rPr lang="en-US" dirty="0" smtClean="0"/>
+              <a:t>04/26/</a:t>
+            </a:r>
+            <a:r>
+              <a:rPr lang="en-US" dirty="0" smtClean="0"/>
+              <a:t>2017</a:t>
+            </a:r>
+          </a:p>
+          <a:p>
+            <a:r>
+              <a:rPr lang="en-US" dirty="0" smtClean="0"/>
               <a:t>Page </a:t>
             </a:r>
             <a:fld id="{162C6750-5235-4A4D-958D-651A0012696B}" type="slidenum">
               <a:rPr lang="en-US" smtClean="0"/>
               <a:pPr/>
               <a:t>15</a:t>
+            </a:fld>
+            <a:endParaRPr lang="en-US" dirty="0"/>
+          </a:p>
+        </p:txBody>
+      </p:sp>
+    </p:spTree>
+    <p:extLst>
+      <p:ext uri="{BB962C8B-B14F-4D97-AF65-F5344CB8AC3E}">
+        <p14:creationId xmlns:p14="http://schemas.microsoft.com/office/powerpoint/2010/main" val="1826292553"/>
+      </p:ext>
+    </p:extLst>
+  </p:cSld>
+  <p:clrMapOvr>
+    <a:masterClrMapping/>
+  </p:clrMapOvr>
+</p:sld>
+</file>
+
+<file path=ppt/slides/slide16.xml><?xml version="1.0" encoding="utf-8"?>
+<p:sld xmlns:a="http://schemas.openxmlformats.org/drawingml/2006/main" xmlns:r="http://schemas.openxmlformats.org/officeDocument/2006/relationships" xmlns:p="http://schemas.openxmlformats.org/presentationml/2006/main">
+  <p:cSld>
+    <p:spTree>
+      <p:nvGrpSpPr>
+        <p:cNvPr id="1" name=""/>
+        <p:cNvGrpSpPr/>
+        <p:nvPr/>
+      </p:nvGrpSpPr>
+      <p:grpSpPr>
+        <a:xfrm>
+          <a:off x="0" y="0"/>
+          <a:ext cx="0" cy="0"/>
+          <a:chOff x="0" y="0"/>
+          <a:chExt cx="0" cy="0"/>
+        </a:xfrm>
+      </p:grpSpPr>
+      <p:sp>
+        <p:nvSpPr>
+          <p:cNvPr id="2" name="Title 1"/>
+          <p:cNvSpPr>
+            <a:spLocks noGrp="1"/>
+          </p:cNvSpPr>
+          <p:nvPr>
+            <p:ph type="title"/>
+          </p:nvPr>
+        </p:nvSpPr>
+        <p:spPr/>
+        <p:txBody>
+          <a:bodyPr/>
+          <a:lstStyle/>
+          <a:p>
+            <a:r>
+              <a:rPr lang="en-US" dirty="0" smtClean="0"/>
+              <a:t>Local Feed-Forward</a:t>
+            </a:r>
+            <a:endParaRPr lang="en-US" dirty="0"/>
+          </a:p>
+        </p:txBody>
+      </p:sp>
+      <p:sp>
+        <p:nvSpPr>
+          <p:cNvPr id="3" name="Content Placeholder 2"/>
+          <p:cNvSpPr>
+            <a:spLocks noGrp="1"/>
+          </p:cNvSpPr>
+          <p:nvPr>
+            <p:ph idx="1"/>
+          </p:nvPr>
+        </p:nvSpPr>
+        <p:spPr>
+          <a:xfrm>
+            <a:off x="304800" y="1600200"/>
+            <a:ext cx="4594225" cy="4114800"/>
+          </a:xfrm>
+        </p:spPr>
+        <p:txBody>
+          <a:bodyPr/>
+          <a:lstStyle/>
+          <a:p>
+            <a:r>
+              <a:rPr lang="en-US" dirty="0" smtClean="0"/>
+              <a:t>Local coupling: </a:t>
+            </a:r>
+          </a:p>
+          <a:p>
+            <a:pPr lvl="1"/>
+            <a:r>
+              <a:rPr lang="en-US" dirty="0" smtClean="0"/>
+              <a:t>Spot </a:t>
+            </a:r>
+            <a:r>
+              <a:rPr lang="en-US" dirty="0" err="1" smtClean="0"/>
+              <a:t>mis</a:t>
+            </a:r>
+            <a:r>
+              <a:rPr lang="en-US" dirty="0"/>
+              <a:t>-</a:t>
+            </a:r>
+            <a:r>
+              <a:rPr lang="en-US" dirty="0" smtClean="0"/>
+              <a:t>centering couples angular motion to length</a:t>
+            </a:r>
+          </a:p>
+          <a:p>
+            <a:pPr lvl="1"/>
+            <a:r>
+              <a:rPr lang="en-US" dirty="0" smtClean="0"/>
+              <a:t>Suspension system couples length actuation to angular motion</a:t>
+            </a:r>
+          </a:p>
+          <a:p>
+            <a:pPr lvl="1"/>
+            <a:r>
+              <a:rPr lang="en-US" dirty="0" smtClean="0"/>
+              <a:t>Can be canceled with single-input-single-output system</a:t>
+            </a:r>
+            <a:endParaRPr lang="en-US" dirty="0"/>
+          </a:p>
+        </p:txBody>
+      </p:sp>
+      <p:sp>
+        <p:nvSpPr>
+          <p:cNvPr id="4" name="Slide Number Placeholder 3"/>
+          <p:cNvSpPr>
+            <a:spLocks noGrp="1"/>
+          </p:cNvSpPr>
+          <p:nvPr>
+            <p:ph type="sldNum" sz="quarter" idx="10"/>
+          </p:nvPr>
+        </p:nvSpPr>
+        <p:spPr/>
+        <p:txBody>
+          <a:bodyPr/>
+          <a:lstStyle/>
+          <a:p>
+            <a:r>
+              <a:rPr lang="en-US" dirty="0" smtClean="0"/>
+              <a:t>Hang Yu, </a:t>
+            </a:r>
+            <a:r>
+              <a:rPr lang="en-US" dirty="0" smtClean="0"/>
+              <a:t>04/26/</a:t>
+            </a:r>
+            <a:r>
+              <a:rPr lang="en-US" dirty="0" smtClean="0"/>
+              <a:t>2017</a:t>
+            </a:r>
+          </a:p>
+          <a:p>
+            <a:r>
+              <a:rPr lang="en-US" dirty="0" smtClean="0"/>
+              <a:t>Page </a:t>
+            </a:r>
+            <a:fld id="{162C6750-5235-4A4D-958D-651A0012696B}" type="slidenum">
+              <a:rPr lang="en-US" smtClean="0"/>
+              <a:pPr/>
+              <a:t>16</a:t>
             </a:fld>
             <a:endParaRPr lang="en-US" dirty="0"/>
           </a:p>
@@ -5682,7 +5930,7 @@
 </p:sld>
 </file>
 
-<file path=ppt/slides/slide16.xml><?xml version="1.0" encoding="utf-8"?>
+<file path=ppt/slides/slide17.xml><?xml version="1.0" encoding="utf-8"?>
 <p:sld xmlns:a="http://schemas.openxmlformats.org/drawingml/2006/main" xmlns:r="http://schemas.openxmlformats.org/officeDocument/2006/relationships" xmlns:p="http://schemas.openxmlformats.org/presentationml/2006/main">
   <p:cSld>
     <p:spTree>
@@ -5826,19 +6074,27 @@
           <a:lstStyle/>
           <a:p>
             <a:r>
-              <a:rPr lang="en-US" smtClean="0"/>
-              <a:t>Hang Yu, 01/28/2017</a:t>
-            </a:r>
-          </a:p>
-          <a:p>
-            <a:r>
-              <a:rPr lang="en-US" smtClean="0"/>
+              <a:rPr lang="en-US" dirty="0" smtClean="0"/>
+              <a:t>Hang Yu, </a:t>
+            </a:r>
+            <a:r>
+              <a:rPr lang="en-US" dirty="0" smtClean="0"/>
+              <a:t>04/26/</a:t>
+            </a:r>
+            <a:r>
+              <a:rPr lang="en-US" dirty="0" smtClean="0"/>
+              <a:t>2017</a:t>
+            </a:r>
+          </a:p>
+          <a:p>
+            <a:r>
+              <a:rPr lang="en-US" dirty="0" smtClean="0"/>
               <a:t>Page </a:t>
             </a:r>
             <a:fld id="{162C6750-5235-4A4D-958D-651A0012696B}" type="slidenum">
               <a:rPr lang="en-US" smtClean="0"/>
               <a:pPr/>
-              <a:t>16</a:t>
+              <a:t>17</a:t>
             </a:fld>
             <a:endParaRPr lang="en-US" dirty="0"/>
           </a:p>
@@ -5857,7 +6113,7 @@
 </p:sld>
 </file>
 
-<file path=ppt/slides/slide17.xml><?xml version="1.0" encoding="utf-8"?>
+<file path=ppt/slides/slide18.xml><?xml version="1.0" encoding="utf-8"?>
 <p:sld xmlns:a="http://schemas.openxmlformats.org/drawingml/2006/main" xmlns:r="http://schemas.openxmlformats.org/officeDocument/2006/relationships" xmlns:p="http://schemas.openxmlformats.org/presentationml/2006/main">
   <p:cSld>
     <p:spTree>
@@ -5948,19 +6204,27 @@
           <a:lstStyle/>
           <a:p>
             <a:r>
-              <a:rPr lang="en-US" smtClean="0"/>
-              <a:t>Hang Yu, 01/28/2017</a:t>
-            </a:r>
-          </a:p>
-          <a:p>
-            <a:r>
-              <a:rPr lang="en-US" smtClean="0"/>
+              <a:rPr lang="en-US" dirty="0" smtClean="0"/>
+              <a:t>Hang Yu, </a:t>
+            </a:r>
+            <a:r>
+              <a:rPr lang="en-US" dirty="0" smtClean="0"/>
+              <a:t>04/26/</a:t>
+            </a:r>
+            <a:r>
+              <a:rPr lang="en-US" dirty="0" smtClean="0"/>
+              <a:t>2017</a:t>
+            </a:r>
+          </a:p>
+          <a:p>
+            <a:r>
+              <a:rPr lang="en-US" dirty="0" smtClean="0"/>
               <a:t>Page </a:t>
             </a:r>
             <a:fld id="{162C6750-5235-4A4D-958D-651A0012696B}" type="slidenum">
               <a:rPr lang="en-US" smtClean="0"/>
               <a:pPr/>
-              <a:t>17</a:t>
+              <a:t>18</a:t>
             </a:fld>
             <a:endParaRPr lang="en-US" dirty="0"/>
           </a:p>
@@ -5979,7 +6243,7 @@
 </p:sld>
 </file>
 
-<file path=ppt/slides/slide18.xml><?xml version="1.0" encoding="utf-8"?>
+<file path=ppt/slides/slide19.xml><?xml version="1.0" encoding="utf-8"?>
 <p:sld xmlns:a="http://schemas.openxmlformats.org/drawingml/2006/main" xmlns:r="http://schemas.openxmlformats.org/officeDocument/2006/relationships" xmlns:p="http://schemas.openxmlformats.org/presentationml/2006/main">
   <p:cSld>
     <p:spTree>
@@ -6059,19 +6323,27 @@
           <a:lstStyle/>
           <a:p>
             <a:r>
-              <a:rPr lang="en-US" smtClean="0"/>
-              <a:t>Hang Yu, 01/28/2017</a:t>
-            </a:r>
-          </a:p>
-          <a:p>
-            <a:r>
-              <a:rPr lang="en-US" smtClean="0"/>
+              <a:rPr lang="en-US" dirty="0" smtClean="0"/>
+              <a:t>Hang Yu, </a:t>
+            </a:r>
+            <a:r>
+              <a:rPr lang="en-US" dirty="0" smtClean="0"/>
+              <a:t>04/26/</a:t>
+            </a:r>
+            <a:r>
+              <a:rPr lang="en-US" dirty="0" smtClean="0"/>
+              <a:t>2017</a:t>
+            </a:r>
+          </a:p>
+          <a:p>
+            <a:r>
+              <a:rPr lang="en-US" dirty="0" smtClean="0"/>
               <a:t>Page </a:t>
             </a:r>
             <a:fld id="{162C6750-5235-4A4D-958D-651A0012696B}" type="slidenum">
               <a:rPr lang="en-US" smtClean="0"/>
               <a:pPr/>
-              <a:t>18</a:t>
+              <a:t>19</a:t>
             </a:fld>
             <a:endParaRPr lang="en-US" dirty="0"/>
           </a:p>
@@ -6580,7 +6852,15 @@
           <a:p>
             <a:r>
               <a:rPr lang="en-US" dirty="0" smtClean="0"/>
-              <a:t>Hang Yu, 04/08/2017</a:t>
+              <a:t>Hang Yu, 04</a:t>
+            </a:r>
+            <a:r>
+              <a:rPr lang="en-US" dirty="0" smtClean="0"/>
+              <a:t>/26/</a:t>
+            </a:r>
+            <a:r>
+              <a:rPr lang="en-US" dirty="0" smtClean="0"/>
+              <a:t>2017</a:t>
             </a:r>
           </a:p>
           <a:p>
@@ -6601,6 +6881,906 @@
     <p:extLst>
       <p:ext uri="{BB962C8B-B14F-4D97-AF65-F5344CB8AC3E}">
         <p14:creationId xmlns:p14="http://schemas.microsoft.com/office/powerpoint/2010/main" val="1145582622"/>
+      </p:ext>
+    </p:extLst>
+  </p:cSld>
+  <p:clrMapOvr>
+    <a:masterClrMapping/>
+  </p:clrMapOvr>
+</p:sld>
+</file>
+
+<file path=ppt/slides/slide20.xml><?xml version="1.0" encoding="utf-8"?>
+<p:sld xmlns:a="http://schemas.openxmlformats.org/drawingml/2006/main" xmlns:r="http://schemas.openxmlformats.org/officeDocument/2006/relationships" xmlns:p="http://schemas.openxmlformats.org/presentationml/2006/main">
+  <p:cSld>
+    <p:spTree>
+      <p:nvGrpSpPr>
+        <p:cNvPr id="1" name=""/>
+        <p:cNvGrpSpPr/>
+        <p:nvPr/>
+      </p:nvGrpSpPr>
+      <p:grpSpPr>
+        <a:xfrm>
+          <a:off x="0" y="0"/>
+          <a:ext cx="0" cy="0"/>
+          <a:chOff x="0" y="0"/>
+          <a:chExt cx="0" cy="0"/>
+        </a:xfrm>
+      </p:grpSpPr>
+      <p:sp>
+        <p:nvSpPr>
+          <p:cNvPr id="2" name="Title 1"/>
+          <p:cNvSpPr>
+            <a:spLocks noGrp="1"/>
+          </p:cNvSpPr>
+          <p:nvPr>
+            <p:ph type="title"/>
+          </p:nvPr>
+        </p:nvSpPr>
+        <p:spPr/>
+        <p:txBody>
+          <a:bodyPr/>
+          <a:lstStyle/>
+          <a:p>
+            <a:r>
+              <a:rPr lang="en-US" dirty="0" smtClean="0"/>
+              <a:t>TIMELINE:</a:t>
+            </a:r>
+            <a:endParaRPr lang="en-US" dirty="0"/>
+          </a:p>
+        </p:txBody>
+      </p:sp>
+      <p:sp>
+        <p:nvSpPr>
+          <p:cNvPr id="4" name="Slide Number Placeholder 3"/>
+          <p:cNvSpPr>
+            <a:spLocks noGrp="1"/>
+          </p:cNvSpPr>
+          <p:nvPr>
+            <p:ph type="sldNum" sz="quarter" idx="10"/>
+          </p:nvPr>
+        </p:nvSpPr>
+        <p:spPr/>
+        <p:txBody>
+          <a:bodyPr/>
+          <a:lstStyle/>
+          <a:p>
+            <a:r>
+              <a:rPr lang="en-US" dirty="0" smtClean="0"/>
+              <a:t>Hang Yu, 04/26/2017</a:t>
+            </a:r>
+          </a:p>
+          <a:p>
+            <a:r>
+              <a:rPr lang="en-US" dirty="0" smtClean="0"/>
+              <a:t>Page </a:t>
+            </a:r>
+            <a:fld id="{162C6750-5235-4A4D-958D-651A0012696B}" type="slidenum">
+              <a:rPr lang="en-US" smtClean="0"/>
+              <a:pPr/>
+              <a:t>20</a:t>
+            </a:fld>
+            <a:endParaRPr lang="en-US" dirty="0"/>
+          </a:p>
+        </p:txBody>
+      </p:sp>
+      <p:cxnSp>
+        <p:nvCxnSpPr>
+          <p:cNvPr id="6" name="Straight Arrow Connector 5"/>
+          <p:cNvCxnSpPr/>
+          <p:nvPr/>
+        </p:nvCxnSpPr>
+        <p:spPr bwMode="auto">
+          <a:xfrm>
+            <a:off x="1371600" y="3505200"/>
+            <a:ext cx="6705600" cy="0"/>
+          </a:xfrm>
+          <a:prstGeom prst="straightConnector1">
+            <a:avLst/>
+          </a:prstGeom>
+          <a:solidFill>
+            <a:schemeClr val="accent1"/>
+          </a:solidFill>
+          <a:ln w="9525" cap="flat" cmpd="sng" algn="ctr">
+            <a:solidFill>
+              <a:schemeClr val="tx1"/>
+            </a:solidFill>
+            <a:prstDash val="solid"/>
+            <a:round/>
+            <a:headEnd type="none" w="med" len="med"/>
+            <a:tailEnd type="arrow"/>
+          </a:ln>
+          <a:effectLst/>
+          <a:extLst>
+            <a:ext uri="{AF507438-7753-43e0-B8FC-AC1667EBCBE1}">
+              <a14:hiddenEffects xmlns:a14="http://schemas.microsoft.com/office/drawing/2010/main">
+                <a:effectLst>
+                  <a:outerShdw blurRad="63500" dist="38099" dir="2700000" algn="ctr" rotWithShape="0">
+                    <a:schemeClr val="bg2">
+                      <a:alpha val="74998"/>
+                    </a:schemeClr>
+                  </a:outerShdw>
+                </a:effectLst>
+              </a14:hiddenEffects>
+            </a:ext>
+          </a:extLst>
+        </p:spPr>
+      </p:cxnSp>
+      <p:sp>
+        <p:nvSpPr>
+          <p:cNvPr id="7" name="TextBox 6"/>
+          <p:cNvSpPr txBox="1"/>
+          <p:nvPr/>
+        </p:nvSpPr>
+        <p:spPr>
+          <a:xfrm>
+            <a:off x="76200" y="3200400"/>
+            <a:ext cx="1313180" cy="738664"/>
+          </a:xfrm>
+          <a:prstGeom prst="rect">
+            <a:avLst/>
+          </a:prstGeom>
+          <a:noFill/>
+        </p:spPr>
+        <p:txBody>
+          <a:bodyPr wrap="none" rtlCol="0">
+            <a:spAutoFit/>
+          </a:bodyPr>
+          <a:lstStyle/>
+          <a:p>
+            <a:r>
+              <a:rPr lang="en-US" sz="1400" i="1" dirty="0" smtClean="0"/>
+              <a:t>Sep, 2014:</a:t>
+            </a:r>
+          </a:p>
+          <a:p>
+            <a:r>
+              <a:rPr lang="en-US" sz="1400" i="1" dirty="0" smtClean="0"/>
+              <a:t>Arrived at MIT</a:t>
+            </a:r>
+          </a:p>
+          <a:p>
+            <a:r>
+              <a:rPr lang="en-US" sz="1400" i="1" dirty="0" smtClean="0"/>
+              <a:t>Passed Part I</a:t>
+            </a:r>
+            <a:endParaRPr lang="en-US" sz="1400" i="1" dirty="0"/>
+          </a:p>
+        </p:txBody>
+      </p:sp>
+      <p:sp>
+        <p:nvSpPr>
+          <p:cNvPr id="8" name="TextBox 7"/>
+          <p:cNvSpPr txBox="1"/>
+          <p:nvPr/>
+        </p:nvSpPr>
+        <p:spPr>
+          <a:xfrm rot="17984291">
+            <a:off x="1453474" y="3124114"/>
+            <a:ext cx="916223" cy="369332"/>
+          </a:xfrm>
+          <a:prstGeom prst="rect">
+            <a:avLst/>
+          </a:prstGeom>
+          <a:noFill/>
+        </p:spPr>
+        <p:txBody>
+          <a:bodyPr wrap="square" rtlCol="0">
+            <a:spAutoFit/>
+          </a:bodyPr>
+          <a:lstStyle/>
+          <a:p>
+            <a:r>
+              <a:rPr lang="en-US" sz="1800" dirty="0" smtClean="0"/>
+              <a:t>2015</a:t>
+            </a:r>
+            <a:endParaRPr lang="en-US" sz="1800" dirty="0"/>
+          </a:p>
+        </p:txBody>
+      </p:sp>
+      <p:sp>
+        <p:nvSpPr>
+          <p:cNvPr id="9" name="TextBox 8"/>
+          <p:cNvSpPr txBox="1"/>
+          <p:nvPr/>
+        </p:nvSpPr>
+        <p:spPr>
+          <a:xfrm rot="17984291">
+            <a:off x="2520274" y="3124114"/>
+            <a:ext cx="916223" cy="369332"/>
+          </a:xfrm>
+          <a:prstGeom prst="rect">
+            <a:avLst/>
+          </a:prstGeom>
+          <a:noFill/>
+        </p:spPr>
+        <p:txBody>
+          <a:bodyPr wrap="square" rtlCol="0">
+            <a:spAutoFit/>
+          </a:bodyPr>
+          <a:lstStyle/>
+          <a:p>
+            <a:r>
+              <a:rPr lang="en-US" sz="1800" dirty="0" smtClean="0"/>
+              <a:t>2016</a:t>
+            </a:r>
+            <a:endParaRPr lang="en-US" sz="1800" dirty="0"/>
+          </a:p>
+        </p:txBody>
+      </p:sp>
+      <p:sp>
+        <p:nvSpPr>
+          <p:cNvPr id="10" name="TextBox 9"/>
+          <p:cNvSpPr txBox="1"/>
+          <p:nvPr/>
+        </p:nvSpPr>
+        <p:spPr>
+          <a:xfrm rot="17984291">
+            <a:off x="3587075" y="3124114"/>
+            <a:ext cx="916223" cy="369332"/>
+          </a:xfrm>
+          <a:prstGeom prst="rect">
+            <a:avLst/>
+          </a:prstGeom>
+          <a:noFill/>
+        </p:spPr>
+        <p:txBody>
+          <a:bodyPr wrap="square" rtlCol="0">
+            <a:spAutoFit/>
+          </a:bodyPr>
+          <a:lstStyle/>
+          <a:p>
+            <a:r>
+              <a:rPr lang="en-US" sz="1800" dirty="0" smtClean="0"/>
+              <a:t>2017</a:t>
+            </a:r>
+            <a:endParaRPr lang="en-US" sz="1800" dirty="0"/>
+          </a:p>
+        </p:txBody>
+      </p:sp>
+      <p:sp>
+        <p:nvSpPr>
+          <p:cNvPr id="11" name="TextBox 10"/>
+          <p:cNvSpPr txBox="1"/>
+          <p:nvPr/>
+        </p:nvSpPr>
+        <p:spPr>
+          <a:xfrm rot="17984291">
+            <a:off x="4577675" y="3124113"/>
+            <a:ext cx="916223" cy="369332"/>
+          </a:xfrm>
+          <a:prstGeom prst="rect">
+            <a:avLst/>
+          </a:prstGeom>
+          <a:noFill/>
+        </p:spPr>
+        <p:txBody>
+          <a:bodyPr wrap="square" rtlCol="0">
+            <a:spAutoFit/>
+          </a:bodyPr>
+          <a:lstStyle/>
+          <a:p>
+            <a:r>
+              <a:rPr lang="en-US" sz="1800" dirty="0" smtClean="0"/>
+              <a:t>2018</a:t>
+            </a:r>
+            <a:endParaRPr lang="en-US" sz="1800" dirty="0"/>
+          </a:p>
+        </p:txBody>
+      </p:sp>
+      <p:sp>
+        <p:nvSpPr>
+          <p:cNvPr id="12" name="TextBox 11"/>
+          <p:cNvSpPr txBox="1"/>
+          <p:nvPr/>
+        </p:nvSpPr>
+        <p:spPr>
+          <a:xfrm rot="17984291">
+            <a:off x="5644474" y="3124114"/>
+            <a:ext cx="916223" cy="369332"/>
+          </a:xfrm>
+          <a:prstGeom prst="rect">
+            <a:avLst/>
+          </a:prstGeom>
+          <a:noFill/>
+        </p:spPr>
+        <p:txBody>
+          <a:bodyPr wrap="square" rtlCol="0">
+            <a:spAutoFit/>
+          </a:bodyPr>
+          <a:lstStyle/>
+          <a:p>
+            <a:r>
+              <a:rPr lang="en-US" sz="1800" dirty="0" smtClean="0"/>
+              <a:t>2019</a:t>
+            </a:r>
+            <a:endParaRPr lang="en-US" sz="1800" dirty="0"/>
+          </a:p>
+        </p:txBody>
+      </p:sp>
+      <p:sp>
+        <p:nvSpPr>
+          <p:cNvPr id="13" name="TextBox 12"/>
+          <p:cNvSpPr txBox="1"/>
+          <p:nvPr/>
+        </p:nvSpPr>
+        <p:spPr>
+          <a:xfrm rot="17984291">
+            <a:off x="6635074" y="3124114"/>
+            <a:ext cx="916223" cy="369332"/>
+          </a:xfrm>
+          <a:prstGeom prst="rect">
+            <a:avLst/>
+          </a:prstGeom>
+          <a:noFill/>
+        </p:spPr>
+        <p:txBody>
+          <a:bodyPr wrap="square" rtlCol="0">
+            <a:spAutoFit/>
+          </a:bodyPr>
+          <a:lstStyle/>
+          <a:p>
+            <a:r>
+              <a:rPr lang="en-US" sz="1800" dirty="0" smtClean="0"/>
+              <a:t>2020</a:t>
+            </a:r>
+            <a:endParaRPr lang="en-US" sz="1800" dirty="0"/>
+          </a:p>
+        </p:txBody>
+      </p:sp>
+      <p:sp>
+        <p:nvSpPr>
+          <p:cNvPr id="15" name="TextBox 14"/>
+          <p:cNvSpPr txBox="1"/>
+          <p:nvPr/>
+        </p:nvSpPr>
+        <p:spPr>
+          <a:xfrm>
+            <a:off x="1752600" y="3667780"/>
+            <a:ext cx="1269949" cy="523220"/>
+          </a:xfrm>
+          <a:prstGeom prst="rect">
+            <a:avLst/>
+          </a:prstGeom>
+          <a:noFill/>
+        </p:spPr>
+        <p:txBody>
+          <a:bodyPr wrap="none" rtlCol="0">
+            <a:spAutoFit/>
+          </a:bodyPr>
+          <a:lstStyle/>
+          <a:p>
+            <a:r>
+              <a:rPr lang="en-US" sz="1400" i="1" dirty="0" smtClean="0"/>
+              <a:t>Feb 2015:</a:t>
+            </a:r>
+          </a:p>
+          <a:p>
+            <a:r>
+              <a:rPr lang="en-US" sz="1400" i="1" dirty="0" smtClean="0"/>
+              <a:t>Passed Part II</a:t>
+            </a:r>
+            <a:endParaRPr lang="en-US" sz="1400" i="1" dirty="0"/>
+          </a:p>
+        </p:txBody>
+      </p:sp>
+      <p:sp>
+        <p:nvSpPr>
+          <p:cNvPr id="16" name="TextBox 15"/>
+          <p:cNvSpPr txBox="1"/>
+          <p:nvPr/>
+        </p:nvSpPr>
+        <p:spPr>
+          <a:xfrm>
+            <a:off x="2883073" y="2743200"/>
+            <a:ext cx="1332247" cy="523220"/>
+          </a:xfrm>
+          <a:prstGeom prst="rect">
+            <a:avLst/>
+          </a:prstGeom>
+          <a:noFill/>
+        </p:spPr>
+        <p:txBody>
+          <a:bodyPr wrap="none" rtlCol="0">
+            <a:spAutoFit/>
+          </a:bodyPr>
+          <a:lstStyle/>
+          <a:p>
+            <a:r>
+              <a:rPr lang="en-US" sz="1400" i="1" dirty="0" smtClean="0"/>
+              <a:t>May 2016:</a:t>
+            </a:r>
+          </a:p>
+          <a:p>
+            <a:r>
+              <a:rPr lang="en-US" sz="1400" i="1" dirty="0" smtClean="0"/>
+              <a:t>Passed Part III</a:t>
+            </a:r>
+            <a:endParaRPr lang="en-US" sz="1400" i="1" dirty="0"/>
+          </a:p>
+        </p:txBody>
+      </p:sp>
+      <p:sp>
+        <p:nvSpPr>
+          <p:cNvPr id="18" name="TextBox 17"/>
+          <p:cNvSpPr txBox="1"/>
+          <p:nvPr/>
+        </p:nvSpPr>
+        <p:spPr>
+          <a:xfrm>
+            <a:off x="1905000" y="2133601"/>
+            <a:ext cx="2133600" cy="304800"/>
+          </a:xfrm>
+          <a:prstGeom prst="rect">
+            <a:avLst/>
+          </a:prstGeom>
+          <a:noFill/>
+          <a:ln>
+            <a:solidFill>
+              <a:srgbClr val="000000"/>
+            </a:solidFill>
+          </a:ln>
+        </p:spPr>
+        <p:txBody>
+          <a:bodyPr wrap="square" rtlCol="0">
+            <a:spAutoFit/>
+          </a:bodyPr>
+          <a:lstStyle/>
+          <a:p>
+            <a:r>
+              <a:rPr lang="en-US" sz="1400" b="1" dirty="0" smtClean="0"/>
+              <a:t>Superfluid </a:t>
+            </a:r>
+            <a:r>
+              <a:rPr lang="en-US" sz="1400" b="1" dirty="0" err="1" smtClean="0"/>
+              <a:t>npe</a:t>
+            </a:r>
+            <a:r>
+              <a:rPr lang="en-US" sz="1400" b="1" dirty="0" smtClean="0"/>
+              <a:t>\mu NS</a:t>
+            </a:r>
+            <a:endParaRPr lang="en-US" sz="1400" b="1" dirty="0"/>
+          </a:p>
+        </p:txBody>
+      </p:sp>
+      <p:sp>
+        <p:nvSpPr>
+          <p:cNvPr id="19" name="TextBox 18"/>
+          <p:cNvSpPr txBox="1"/>
+          <p:nvPr/>
+        </p:nvSpPr>
+        <p:spPr>
+          <a:xfrm>
+            <a:off x="3124200" y="2438400"/>
+            <a:ext cx="1610787" cy="307777"/>
+          </a:xfrm>
+          <a:prstGeom prst="rect">
+            <a:avLst/>
+          </a:prstGeom>
+          <a:noFill/>
+          <a:ln>
+            <a:solidFill>
+              <a:srgbClr val="000000"/>
+            </a:solidFill>
+          </a:ln>
+        </p:spPr>
+        <p:txBody>
+          <a:bodyPr wrap="none" rtlCol="0">
+            <a:spAutoFit/>
+          </a:bodyPr>
+          <a:lstStyle/>
+          <a:p>
+            <a:r>
+              <a:rPr lang="en-US" sz="1400" b="1" dirty="0" smtClean="0"/>
+              <a:t>HS &amp; detectability</a:t>
+            </a:r>
+            <a:endParaRPr lang="en-US" sz="1400" b="1" dirty="0"/>
+          </a:p>
+        </p:txBody>
+      </p:sp>
+      <p:sp>
+        <p:nvSpPr>
+          <p:cNvPr id="20" name="TextBox 19"/>
+          <p:cNvSpPr txBox="1"/>
+          <p:nvPr/>
+        </p:nvSpPr>
+        <p:spPr>
+          <a:xfrm>
+            <a:off x="4191000" y="2133601"/>
+            <a:ext cx="1295400" cy="307777"/>
+          </a:xfrm>
+          <a:prstGeom prst="rect">
+            <a:avLst/>
+          </a:prstGeom>
+          <a:noFill/>
+          <a:ln>
+            <a:solidFill>
+              <a:srgbClr val="000000"/>
+            </a:solidFill>
+          </a:ln>
+        </p:spPr>
+        <p:txBody>
+          <a:bodyPr wrap="square" rtlCol="0">
+            <a:spAutoFit/>
+          </a:bodyPr>
+          <a:lstStyle/>
+          <a:p>
+            <a:r>
+              <a:rPr lang="en-US" sz="1400" b="1" dirty="0" smtClean="0"/>
+              <a:t>X-ray bursts</a:t>
+            </a:r>
+            <a:endParaRPr lang="en-US" sz="1400" b="1" dirty="0"/>
+          </a:p>
+        </p:txBody>
+      </p:sp>
+      <p:sp>
+        <p:nvSpPr>
+          <p:cNvPr id="21" name="TextBox 20"/>
+          <p:cNvSpPr txBox="1"/>
+          <p:nvPr/>
+        </p:nvSpPr>
+        <p:spPr>
+          <a:xfrm>
+            <a:off x="1752600" y="4953000"/>
+            <a:ext cx="1219200" cy="304800"/>
+          </a:xfrm>
+          <a:prstGeom prst="rect">
+            <a:avLst/>
+          </a:prstGeom>
+          <a:noFill/>
+          <a:ln>
+            <a:solidFill>
+              <a:schemeClr val="tx1"/>
+            </a:solidFill>
+          </a:ln>
+        </p:spPr>
+        <p:txBody>
+          <a:bodyPr wrap="square" rtlCol="0">
+            <a:spAutoFit/>
+          </a:bodyPr>
+          <a:lstStyle/>
+          <a:p>
+            <a:r>
+              <a:rPr lang="en-US" sz="1400" b="1" dirty="0" smtClean="0"/>
+              <a:t>CTN</a:t>
+            </a:r>
+            <a:endParaRPr lang="en-US" sz="1400" b="1" dirty="0"/>
+          </a:p>
+        </p:txBody>
+      </p:sp>
+      <p:sp>
+        <p:nvSpPr>
+          <p:cNvPr id="22" name="TextBox 21"/>
+          <p:cNvSpPr txBox="1"/>
+          <p:nvPr/>
+        </p:nvSpPr>
+        <p:spPr>
+          <a:xfrm>
+            <a:off x="2362200" y="4214336"/>
+            <a:ext cx="795598" cy="738664"/>
+          </a:xfrm>
+          <a:prstGeom prst="rect">
+            <a:avLst/>
+          </a:prstGeom>
+          <a:noFill/>
+          <a:ln>
+            <a:solidFill>
+              <a:srgbClr val="000000"/>
+            </a:solidFill>
+          </a:ln>
+        </p:spPr>
+        <p:txBody>
+          <a:bodyPr wrap="none" rtlCol="0">
+            <a:spAutoFit/>
+          </a:bodyPr>
+          <a:lstStyle/>
+          <a:p>
+            <a:r>
+              <a:rPr lang="en-US" sz="1400" b="1" dirty="0" smtClean="0"/>
+              <a:t>LSC </a:t>
+            </a:r>
+          </a:p>
+          <a:p>
+            <a:r>
+              <a:rPr lang="en-US" sz="1400" b="1" dirty="0" smtClean="0"/>
+              <a:t>Fellow</a:t>
+            </a:r>
+          </a:p>
+          <a:p>
+            <a:r>
+              <a:rPr lang="en-US" sz="1400" b="1" dirty="0" smtClean="0"/>
+              <a:t>@ LHO</a:t>
+            </a:r>
+            <a:endParaRPr lang="en-US" sz="1400" b="1" dirty="0"/>
+          </a:p>
+        </p:txBody>
+      </p:sp>
+      <p:sp>
+        <p:nvSpPr>
+          <p:cNvPr id="23" name="TextBox 22"/>
+          <p:cNvSpPr txBox="1"/>
+          <p:nvPr/>
+        </p:nvSpPr>
+        <p:spPr>
+          <a:xfrm>
+            <a:off x="3581400" y="5334001"/>
+            <a:ext cx="2286000" cy="304800"/>
+          </a:xfrm>
+          <a:prstGeom prst="rect">
+            <a:avLst/>
+          </a:prstGeom>
+          <a:noFill/>
+          <a:ln>
+            <a:solidFill>
+              <a:srgbClr val="000000"/>
+            </a:solidFill>
+          </a:ln>
+        </p:spPr>
+        <p:txBody>
+          <a:bodyPr wrap="square" rtlCol="0">
+            <a:spAutoFit/>
+          </a:bodyPr>
+          <a:lstStyle/>
+          <a:p>
+            <a:r>
+              <a:rPr lang="en-US" sz="1400" b="1" dirty="0" err="1" smtClean="0"/>
+              <a:t>GWCleaning</a:t>
+            </a:r>
+            <a:endParaRPr lang="en-US" sz="1400" b="1" dirty="0"/>
+          </a:p>
+        </p:txBody>
+      </p:sp>
+      <p:sp>
+        <p:nvSpPr>
+          <p:cNvPr id="24" name="TextBox 23"/>
+          <p:cNvSpPr txBox="1"/>
+          <p:nvPr/>
+        </p:nvSpPr>
+        <p:spPr>
+          <a:xfrm>
+            <a:off x="3124200" y="4950023"/>
+            <a:ext cx="2743200" cy="307777"/>
+          </a:xfrm>
+          <a:prstGeom prst="rect">
+            <a:avLst/>
+          </a:prstGeom>
+          <a:noFill/>
+          <a:ln>
+            <a:solidFill>
+              <a:srgbClr val="000000"/>
+            </a:solidFill>
+          </a:ln>
+        </p:spPr>
+        <p:txBody>
+          <a:bodyPr wrap="square" rtlCol="0">
+            <a:spAutoFit/>
+          </a:bodyPr>
+          <a:lstStyle/>
+          <a:p>
+            <a:r>
+              <a:rPr lang="en-US" sz="1400" b="1" dirty="0" smtClean="0"/>
+              <a:t>ASC modeling</a:t>
+            </a:r>
+            <a:endParaRPr lang="en-US" sz="1400" b="1" dirty="0"/>
+          </a:p>
+        </p:txBody>
+      </p:sp>
+      <p:sp>
+        <p:nvSpPr>
+          <p:cNvPr id="25" name="TextBox 24"/>
+          <p:cNvSpPr txBox="1"/>
+          <p:nvPr/>
+        </p:nvSpPr>
+        <p:spPr>
+          <a:xfrm>
+            <a:off x="4419600" y="4214336"/>
+            <a:ext cx="1447800" cy="738664"/>
+          </a:xfrm>
+          <a:prstGeom prst="rect">
+            <a:avLst/>
+          </a:prstGeom>
+          <a:noFill/>
+          <a:ln>
+            <a:solidFill>
+              <a:srgbClr val="000000"/>
+            </a:solidFill>
+          </a:ln>
+        </p:spPr>
+        <p:txBody>
+          <a:bodyPr wrap="square" rtlCol="0">
+            <a:spAutoFit/>
+          </a:bodyPr>
+          <a:lstStyle/>
+          <a:p>
+            <a:r>
+              <a:rPr lang="en-US" sz="1400" b="1" dirty="0" smtClean="0"/>
+              <a:t>Commissioner @ LHO or LLO ~1yr</a:t>
+            </a:r>
+          </a:p>
+        </p:txBody>
+      </p:sp>
+      <p:sp>
+        <p:nvSpPr>
+          <p:cNvPr id="26" name="TextBox 25"/>
+          <p:cNvSpPr txBox="1"/>
+          <p:nvPr/>
+        </p:nvSpPr>
+        <p:spPr>
+          <a:xfrm>
+            <a:off x="4038600" y="3667780"/>
+            <a:ext cx="1392209" cy="523220"/>
+          </a:xfrm>
+          <a:prstGeom prst="rect">
+            <a:avLst/>
+          </a:prstGeom>
+          <a:noFill/>
+        </p:spPr>
+        <p:txBody>
+          <a:bodyPr wrap="none" rtlCol="0">
+            <a:spAutoFit/>
+          </a:bodyPr>
+          <a:lstStyle/>
+          <a:p>
+            <a:r>
+              <a:rPr lang="en-US" sz="1400" i="1" dirty="0" smtClean="0"/>
+              <a:t>May 2017:</a:t>
+            </a:r>
+          </a:p>
+          <a:p>
+            <a:r>
+              <a:rPr lang="en-US" sz="1400" i="1" dirty="0" smtClean="0"/>
+              <a:t>Done w/ classes</a:t>
+            </a:r>
+            <a:endParaRPr lang="en-US" sz="1400" i="1" dirty="0"/>
+          </a:p>
+        </p:txBody>
+      </p:sp>
+      <p:sp>
+        <p:nvSpPr>
+          <p:cNvPr id="27" name="TextBox 26"/>
+          <p:cNvSpPr txBox="1"/>
+          <p:nvPr/>
+        </p:nvSpPr>
+        <p:spPr>
+          <a:xfrm>
+            <a:off x="6477000" y="2819400"/>
+            <a:ext cx="838200" cy="523220"/>
+          </a:xfrm>
+          <a:prstGeom prst="rect">
+            <a:avLst/>
+          </a:prstGeom>
+          <a:noFill/>
+        </p:spPr>
+        <p:txBody>
+          <a:bodyPr wrap="square" rtlCol="0">
+            <a:spAutoFit/>
+          </a:bodyPr>
+          <a:lstStyle/>
+          <a:p>
+            <a:r>
+              <a:rPr lang="en-US" sz="1400" i="1" dirty="0" smtClean="0"/>
+              <a:t>Thesis writing</a:t>
+            </a:r>
+            <a:endParaRPr lang="en-US" sz="1400" i="1" dirty="0"/>
+          </a:p>
+        </p:txBody>
+      </p:sp>
+      <p:sp>
+        <p:nvSpPr>
+          <p:cNvPr id="28" name="TextBox 27"/>
+          <p:cNvSpPr txBox="1"/>
+          <p:nvPr/>
+        </p:nvSpPr>
+        <p:spPr>
+          <a:xfrm>
+            <a:off x="6934200" y="3657600"/>
+            <a:ext cx="1070688" cy="307777"/>
+          </a:xfrm>
+          <a:prstGeom prst="rect">
+            <a:avLst/>
+          </a:prstGeom>
+          <a:noFill/>
+        </p:spPr>
+        <p:txBody>
+          <a:bodyPr wrap="none" rtlCol="0">
+            <a:spAutoFit/>
+          </a:bodyPr>
+          <a:lstStyle/>
+          <a:p>
+            <a:r>
+              <a:rPr lang="en-US" sz="1400" i="1" dirty="0" smtClean="0"/>
+              <a:t>Graduating</a:t>
+            </a:r>
+            <a:endParaRPr lang="en-US" sz="1400" i="1" dirty="0"/>
+          </a:p>
+        </p:txBody>
+      </p:sp>
+      <p:sp>
+        <p:nvSpPr>
+          <p:cNvPr id="29" name="TextBox 28"/>
+          <p:cNvSpPr txBox="1"/>
+          <p:nvPr/>
+        </p:nvSpPr>
+        <p:spPr>
+          <a:xfrm>
+            <a:off x="5486400" y="2133600"/>
+            <a:ext cx="1524000" cy="523220"/>
+          </a:xfrm>
+          <a:prstGeom prst="rect">
+            <a:avLst/>
+          </a:prstGeom>
+          <a:noFill/>
+          <a:ln>
+            <a:solidFill>
+              <a:srgbClr val="000000"/>
+            </a:solidFill>
+          </a:ln>
+        </p:spPr>
+        <p:txBody>
+          <a:bodyPr wrap="square" rtlCol="0">
+            <a:spAutoFit/>
+          </a:bodyPr>
+          <a:lstStyle/>
+          <a:p>
+            <a:r>
+              <a:rPr lang="en-US" sz="1400" b="1" dirty="0" smtClean="0"/>
+              <a:t>One more</a:t>
+            </a:r>
+          </a:p>
+          <a:p>
+            <a:r>
+              <a:rPr lang="en-US" sz="1400" b="1" dirty="0" smtClean="0"/>
+              <a:t>theoretical work</a:t>
+            </a:r>
+            <a:endParaRPr lang="en-US" sz="1400" b="1" dirty="0"/>
+          </a:p>
+        </p:txBody>
+      </p:sp>
+      <p:sp>
+        <p:nvSpPr>
+          <p:cNvPr id="30" name="TextBox 29"/>
+          <p:cNvSpPr txBox="1"/>
+          <p:nvPr/>
+        </p:nvSpPr>
+        <p:spPr>
+          <a:xfrm>
+            <a:off x="5867400" y="4963180"/>
+            <a:ext cx="1097426" cy="523220"/>
+          </a:xfrm>
+          <a:prstGeom prst="rect">
+            <a:avLst/>
+          </a:prstGeom>
+          <a:noFill/>
+          <a:ln>
+            <a:solidFill>
+              <a:srgbClr val="000000"/>
+            </a:solidFill>
+          </a:ln>
+        </p:spPr>
+        <p:txBody>
+          <a:bodyPr wrap="none" rtlCol="0">
+            <a:spAutoFit/>
+          </a:bodyPr>
+          <a:lstStyle/>
+          <a:p>
+            <a:r>
+              <a:rPr lang="en-US" sz="1400" b="1" dirty="0" smtClean="0"/>
+              <a:t>One more </a:t>
+            </a:r>
+          </a:p>
+          <a:p>
+            <a:r>
+              <a:rPr lang="en-US" sz="1400" b="1" dirty="0" smtClean="0"/>
+              <a:t>LIGO work</a:t>
+            </a:r>
+            <a:endParaRPr lang="en-US" sz="1400" b="1" dirty="0"/>
+          </a:p>
+        </p:txBody>
+      </p:sp>
+    </p:spTree>
+    <p:extLst>
+      <p:ext uri="{BB962C8B-B14F-4D97-AF65-F5344CB8AC3E}">
+        <p14:creationId xmlns:p14="http://schemas.microsoft.com/office/powerpoint/2010/main" val="84433166"/>
       </p:ext>
     </p:extLst>
   </p:cSld>
@@ -6675,14 +7855,37 @@
           <a:p>
             <a:r>
               <a:rPr lang="en-US" dirty="0" smtClean="0"/>
-              <a:t>I.1 Traditional E&amp;M signatures: exposing burning ashes in Type-I X-ray bursts</a:t>
-            </a:r>
-          </a:p>
-          <a:p>
-            <a:r>
-              <a:rPr lang="en-US" dirty="0" smtClean="0"/>
-              <a:t>I.2 GW signatures: tidal interactions in coalescing binary NSs</a:t>
-            </a:r>
+              <a:t>I.1 </a:t>
+            </a:r>
+            <a:r>
+              <a:rPr lang="en-US" dirty="0"/>
+              <a:t>GW signatures: tidal interactions in coalescing binary </a:t>
+            </a:r>
+            <a:r>
+              <a:rPr lang="en-US" dirty="0" smtClean="0"/>
+              <a:t>NSs</a:t>
+            </a:r>
+            <a:endParaRPr lang="en-US" dirty="0"/>
+          </a:p>
+          <a:p>
+            <a:r>
+              <a:rPr lang="en-US" dirty="0" smtClean="0"/>
+              <a:t>I</a:t>
+            </a:r>
+            <a:r>
+              <a:rPr lang="en-US" dirty="0" smtClean="0"/>
+              <a:t>.2 </a:t>
+            </a:r>
+            <a:r>
+              <a:rPr lang="en-US" dirty="0" smtClean="0"/>
+              <a:t>Traditional E</a:t>
+            </a:r>
+            <a:r>
+              <a:rPr lang="en-US" dirty="0"/>
+              <a:t>&amp;M signatures: exposing burning ashes in Type-I X-ray bursts</a:t>
+            </a:r>
+          </a:p>
+          <a:p>
             <a:endParaRPr lang="en-US" dirty="0"/>
           </a:p>
         </p:txBody>
@@ -6703,13 +7906,21 @@
           <a:lstStyle/>
           <a:p>
             <a:r>
-              <a:rPr lang="en-US" smtClean="0"/>
-              <a:t>Hang Yu, 01/28/2017</a:t>
-            </a:r>
-          </a:p>
-          <a:p>
-            <a:r>
-              <a:rPr lang="en-US" smtClean="0"/>
+              <a:rPr lang="en-US" dirty="0" smtClean="0"/>
+              <a:t>Hang Yu, </a:t>
+            </a:r>
+            <a:r>
+              <a:rPr lang="en-US" dirty="0" smtClean="0"/>
+              <a:t>04/26/</a:t>
+            </a:r>
+            <a:r>
+              <a:rPr lang="en-US" dirty="0" smtClean="0"/>
+              <a:t>2017</a:t>
+            </a:r>
+          </a:p>
+          <a:p>
+            <a:r>
+              <a:rPr lang="en-US" dirty="0" smtClean="0"/>
               <a:t>Page </a:t>
             </a:r>
             <a:fld id="{162C6750-5235-4A4D-958D-651A0012696B}" type="slidenum">
@@ -6763,7 +7974,7 @@
         </p:nvSpPr>
         <p:spPr>
           <a:xfrm>
-            <a:off x="990600" y="588961"/>
+            <a:off x="990600" y="304800"/>
             <a:ext cx="7107237" cy="1239839"/>
           </a:xfrm>
         </p:spPr>
@@ -6771,23 +7982,11 @@
           <a:bodyPr/>
           <a:lstStyle/>
           <a:p>
-            <a:pPr>
-              <a:lnSpc>
-                <a:spcPts val="3000"/>
-              </a:lnSpc>
-            </a:pPr>
-            <a:r>
-              <a:rPr lang="en-US" dirty="0" smtClean="0"/>
-              <a:t>EXPOSING ASHES IN TYPE I X-RAY BURSTS </a:t>
-            </a:r>
-            <a:br>
-              <a:rPr lang="en-US" dirty="0" smtClean="0"/>
-            </a:br>
-            <a:r>
-              <a:rPr lang="en-US" sz="1800" b="0" i="1" dirty="0" smtClean="0"/>
-              <a:t>(ongoing)</a:t>
-            </a:r>
-            <a:endParaRPr lang="en-US" sz="1800" b="0" i="1" dirty="0"/>
+            <a:r>
+              <a:rPr lang="en-US" dirty="0" smtClean="0"/>
+              <a:t>TIDAL INTERACTIONS IN COALESCING BINARY NS’S</a:t>
+            </a:r>
+            <a:endParaRPr lang="en-US" dirty="0"/>
           </a:p>
         </p:txBody>
       </p:sp>
@@ -6803,8 +8002,8 @@
         </p:nvSpPr>
         <p:spPr>
           <a:xfrm>
-            <a:off x="838200" y="1600200"/>
-            <a:ext cx="7221538" cy="4191000"/>
+            <a:off x="815975" y="1600200"/>
+            <a:ext cx="7221538" cy="4495800"/>
           </a:xfrm>
         </p:spPr>
         <p:txBody>
@@ -6813,62 +8012,121 @@
           <a:p>
             <a:r>
               <a:rPr lang="en-US" dirty="0" smtClean="0"/>
-              <a:t>Type I X-ray bursts: run-away thermonuclear burning of H and/or He on the surface of an NS. </a:t>
-            </a:r>
-          </a:p>
-          <a:p>
-            <a:r>
-              <a:rPr lang="en-US" dirty="0" smtClean="0"/>
-              <a:t>A small fraction exhibits strong </a:t>
-            </a:r>
-            <a:r>
-              <a:rPr lang="en-US" dirty="0" err="1" smtClean="0"/>
-              <a:t>photospheric</a:t>
-            </a:r>
-            <a:r>
-              <a:rPr lang="en-US" dirty="0" smtClean="0"/>
-              <a:t> expansion.</a:t>
-            </a:r>
-          </a:p>
-          <a:p>
-            <a:r>
-              <a:rPr lang="en-US" dirty="0" smtClean="0"/>
-              <a:t>The freshly synthesized heavy-element ashes can be ejected in </a:t>
-            </a:r>
-            <a:r>
-              <a:rPr lang="en-US" dirty="0" err="1" smtClean="0"/>
-              <a:t>rediative</a:t>
-            </a:r>
-            <a:r>
-              <a:rPr lang="en-US" dirty="0" smtClean="0"/>
-              <a:t> wind. </a:t>
-            </a:r>
-          </a:p>
-          <a:p>
-            <a:r>
-              <a:rPr lang="en-US" dirty="0" smtClean="0"/>
-              <a:t>Ashes -&gt; source of opacity -&gt; absorption edges in spectra.</a:t>
-            </a:r>
-          </a:p>
-          <a:p>
-            <a:r>
-              <a:rPr lang="en-US" dirty="0" smtClean="0"/>
-              <a:t>Measure surface gravity via redshift of the edge location. </a:t>
-            </a:r>
-          </a:p>
-          <a:p>
-            <a:r>
-              <a:rPr lang="en-US" dirty="0" smtClean="0"/>
-              <a:t>Constrain </a:t>
-            </a:r>
-            <a:r>
-              <a:rPr lang="en-US" dirty="0" err="1" smtClean="0"/>
-              <a:t>EoS</a:t>
-            </a:r>
-            <a:r>
-              <a:rPr lang="en-US" dirty="0" smtClean="0"/>
-              <a:t>.</a:t>
-            </a:r>
+              <a:t>BNS </a:t>
+            </a:r>
+            <a:r>
+              <a:rPr lang="mr-IN" dirty="0" smtClean="0"/>
+              <a:t>–</a:t>
+            </a:r>
+            <a:r>
+              <a:rPr lang="en-US" dirty="0" smtClean="0"/>
+              <a:t> Sources for </a:t>
+            </a:r>
+            <a:r>
+              <a:rPr lang="en-US" dirty="0" smtClean="0"/>
+              <a:t>ground-based </a:t>
+            </a:r>
+            <a:r>
+              <a:rPr lang="en-US" dirty="0" smtClean="0"/>
+              <a:t>GW detectors</a:t>
+            </a:r>
+          </a:p>
+          <a:p>
+            <a:r>
+              <a:rPr lang="en-US" dirty="0" smtClean="0"/>
+              <a:t>Orbital energy to NS internal energy </a:t>
+            </a:r>
+            <a:r>
+              <a:rPr lang="mr-IN" dirty="0" smtClean="0"/>
+              <a:t>–</a:t>
+            </a:r>
+            <a:r>
+              <a:rPr lang="en-US" dirty="0" smtClean="0"/>
+              <a:t> tidal phase shift</a:t>
+            </a:r>
+          </a:p>
+          <a:p>
+            <a:r>
+              <a:rPr lang="en-US" dirty="0" smtClean="0"/>
+              <a:t>Linear dynamic tides </a:t>
+            </a:r>
+            <a:r>
+              <a:rPr lang="mr-IN" dirty="0" smtClean="0"/>
+              <a:t>–</a:t>
+            </a:r>
+            <a:r>
+              <a:rPr lang="en-US" dirty="0" smtClean="0"/>
+              <a:t> driven H.O.</a:t>
+            </a:r>
+          </a:p>
+          <a:p>
+            <a:pPr lvl="1">
+              <a:lnSpc>
+                <a:spcPts val="1400"/>
+              </a:lnSpc>
+            </a:pPr>
+            <a:r>
+              <a:rPr lang="en-US" sz="1800" dirty="0" smtClean="0"/>
+              <a:t>NS g mode </a:t>
+            </a:r>
+            <a:r>
+              <a:rPr lang="en-US" sz="1800" dirty="0" err="1" smtClean="0"/>
+              <a:t>eigenfreq</a:t>
+            </a:r>
+            <a:r>
+              <a:rPr lang="en-US" sz="1800" dirty="0" smtClean="0"/>
+              <a:t> ~ orbital </a:t>
+            </a:r>
+            <a:r>
+              <a:rPr lang="en-US" sz="1800" dirty="0" err="1" smtClean="0"/>
+              <a:t>freq</a:t>
+            </a:r>
+            <a:r>
+              <a:rPr lang="en-US" sz="1800" dirty="0" smtClean="0"/>
+              <a:t> </a:t>
+            </a:r>
+          </a:p>
+          <a:p>
+            <a:r>
+              <a:rPr lang="en-US" dirty="0" smtClean="0"/>
+              <a:t>Normal fluid vs. superfluid</a:t>
+            </a:r>
+          </a:p>
+          <a:p>
+            <a:pPr lvl="1">
+              <a:lnSpc>
+                <a:spcPts val="1400"/>
+              </a:lnSpc>
+            </a:pPr>
+            <a:r>
+              <a:rPr lang="en-US" sz="1800" dirty="0" smtClean="0"/>
+              <a:t>Single fluid vs. two-fluid</a:t>
+            </a:r>
+          </a:p>
+          <a:p>
+            <a:pPr lvl="1">
+              <a:lnSpc>
+                <a:spcPts val="1400"/>
+              </a:lnSpc>
+            </a:pPr>
+            <a:r>
+              <a:rPr lang="en-US" sz="1800" dirty="0" smtClean="0"/>
+              <a:t>Different source of </a:t>
+            </a:r>
+            <a:r>
+              <a:rPr lang="en-US" sz="1800" dirty="0" err="1" smtClean="0"/>
+              <a:t>bouyancy</a:t>
+            </a:r>
+            <a:endParaRPr lang="en-US" sz="1800" dirty="0" smtClean="0"/>
+          </a:p>
+          <a:p>
+            <a:r>
+              <a:rPr lang="en-US" dirty="0" smtClean="0"/>
+              <a:t>The amplitude and frequency of the resonance probes the stratification, composition, and superfluid state of the core of NS.</a:t>
+            </a:r>
+          </a:p>
+          <a:p>
+            <a:endParaRPr lang="en-US" dirty="0" smtClean="0"/>
           </a:p>
         </p:txBody>
       </p:sp>
@@ -6888,356 +8146,27 @@
           <a:lstStyle/>
           <a:p>
             <a:r>
-              <a:rPr lang="en-US" smtClean="0"/>
-              <a:t>Hang Yu, 01/28/2017</a:t>
-            </a:r>
-          </a:p>
-          <a:p>
-            <a:r>
-              <a:rPr lang="en-US" smtClean="0"/>
+              <a:rPr lang="en-US" dirty="0" smtClean="0"/>
+              <a:t>Hang Yu, </a:t>
+            </a:r>
+            <a:r>
+              <a:rPr lang="en-US" dirty="0" smtClean="0"/>
+              <a:t>04/26/</a:t>
+            </a:r>
+            <a:r>
+              <a:rPr lang="en-US" dirty="0" smtClean="0"/>
+              <a:t>2017</a:t>
+            </a:r>
+          </a:p>
+          <a:p>
+            <a:r>
+              <a:rPr lang="en-US" dirty="0" smtClean="0"/>
               <a:t>Page </a:t>
             </a:r>
             <a:fld id="{162C6750-5235-4A4D-958D-651A0012696B}" type="slidenum">
               <a:rPr lang="en-US" smtClean="0"/>
               <a:pPr/>
               <a:t>4</a:t>
-            </a:fld>
-            <a:endParaRPr lang="en-US" dirty="0"/>
-          </a:p>
-        </p:txBody>
-      </p:sp>
-    </p:spTree>
-    <p:extLst>
-      <p:ext uri="{BB962C8B-B14F-4D97-AF65-F5344CB8AC3E}">
-        <p14:creationId xmlns:p14="http://schemas.microsoft.com/office/powerpoint/2010/main" val="3038324168"/>
-      </p:ext>
-    </p:extLst>
-  </p:cSld>
-  <p:clrMapOvr>
-    <a:masterClrMapping/>
-  </p:clrMapOvr>
-</p:sld>
-</file>
-
-<file path=ppt/slides/slide5.xml><?xml version="1.0" encoding="utf-8"?>
-<p:sld xmlns:a="http://schemas.openxmlformats.org/drawingml/2006/main" xmlns:r="http://schemas.openxmlformats.org/officeDocument/2006/relationships" xmlns:p="http://schemas.openxmlformats.org/presentationml/2006/main">
-  <p:cSld>
-    <p:spTree>
-      <p:nvGrpSpPr>
-        <p:cNvPr id="1" name=""/>
-        <p:cNvGrpSpPr/>
-        <p:nvPr/>
-      </p:nvGrpSpPr>
-      <p:grpSpPr>
-        <a:xfrm>
-          <a:off x="0" y="0"/>
-          <a:ext cx="0" cy="0"/>
-          <a:chOff x="0" y="0"/>
-          <a:chExt cx="0" cy="0"/>
-        </a:xfrm>
-      </p:grpSpPr>
-      <p:sp>
-        <p:nvSpPr>
-          <p:cNvPr id="2" name="Title 1"/>
-          <p:cNvSpPr>
-            <a:spLocks noGrp="1"/>
-          </p:cNvSpPr>
-          <p:nvPr>
-            <p:ph type="title"/>
-          </p:nvPr>
-        </p:nvSpPr>
-        <p:spPr/>
-        <p:txBody>
-          <a:bodyPr/>
-          <a:lstStyle/>
-          <a:p>
-            <a:endParaRPr lang="en-US" dirty="0"/>
-          </a:p>
-        </p:txBody>
-      </p:sp>
-      <p:pic>
-        <p:nvPicPr>
-          <p:cNvPr id="5" name="Content Placeholder 4" descr="movie.gif"/>
-          <p:cNvPicPr>
-            <a:picLocks noGrp="1" noChangeAspect="1"/>
-          </p:cNvPicPr>
-          <p:nvPr>
-            <p:ph idx="1"/>
-          </p:nvPr>
-        </p:nvPicPr>
-        <p:blipFill>
-          <a:blip r:embed="rId2">
-            <a:extLst>
-              <a:ext uri="{28A0092B-C50C-407E-A947-70E740481C1C}">
-                <a14:useLocalDpi xmlns:a14="http://schemas.microsoft.com/office/drawing/2010/main" val="0"/>
-              </a:ext>
-            </a:extLst>
-          </a:blip>
-          <a:srcRect l="-15904" r="-15904"/>
-          <a:stretch>
-            <a:fillRect/>
-          </a:stretch>
-        </p:blipFill>
-        <p:spPr>
-          <a:xfrm>
-            <a:off x="-1271500" y="152400"/>
-            <a:ext cx="11634700" cy="6629400"/>
-          </a:xfrm>
-        </p:spPr>
-      </p:pic>
-      <p:sp>
-        <p:nvSpPr>
-          <p:cNvPr id="4" name="Slide Number Placeholder 3"/>
-          <p:cNvSpPr>
-            <a:spLocks noGrp="1"/>
-          </p:cNvSpPr>
-          <p:nvPr>
-            <p:ph type="sldNum" sz="quarter" idx="10"/>
-          </p:nvPr>
-        </p:nvSpPr>
-        <p:spPr/>
-        <p:txBody>
-          <a:bodyPr/>
-          <a:lstStyle/>
-          <a:p>
-            <a:r>
-              <a:rPr lang="en-US" smtClean="0"/>
-              <a:t>Hang Yu, 01/28/2017</a:t>
-            </a:r>
-          </a:p>
-          <a:p>
-            <a:r>
-              <a:rPr lang="en-US" smtClean="0"/>
-              <a:t>Page </a:t>
-            </a:r>
-            <a:fld id="{162C6750-5235-4A4D-958D-651A0012696B}" type="slidenum">
-              <a:rPr lang="en-US" smtClean="0"/>
-              <a:pPr/>
-              <a:t>5</a:t>
-            </a:fld>
-            <a:endParaRPr lang="en-US" dirty="0"/>
-          </a:p>
-        </p:txBody>
-      </p:sp>
-    </p:spTree>
-    <p:extLst>
-      <p:ext uri="{BB962C8B-B14F-4D97-AF65-F5344CB8AC3E}">
-        <p14:creationId xmlns:p14="http://schemas.microsoft.com/office/powerpoint/2010/main" val="3838789120"/>
-      </p:ext>
-    </p:extLst>
-  </p:cSld>
-  <p:clrMapOvr>
-    <a:masterClrMapping/>
-  </p:clrMapOvr>
-</p:sld>
-</file>
-
-<file path=ppt/slides/slide6.xml><?xml version="1.0" encoding="utf-8"?>
-<p:sld xmlns:a="http://schemas.openxmlformats.org/drawingml/2006/main" xmlns:r="http://schemas.openxmlformats.org/officeDocument/2006/relationships" xmlns:p="http://schemas.openxmlformats.org/presentationml/2006/main">
-  <p:cSld>
-    <p:spTree>
-      <p:nvGrpSpPr>
-        <p:cNvPr id="1" name=""/>
-        <p:cNvGrpSpPr/>
-        <p:nvPr/>
-      </p:nvGrpSpPr>
-      <p:grpSpPr>
-        <a:xfrm>
-          <a:off x="0" y="0"/>
-          <a:ext cx="0" cy="0"/>
-          <a:chOff x="0" y="0"/>
-          <a:chExt cx="0" cy="0"/>
-        </a:xfrm>
-      </p:grpSpPr>
-      <p:sp>
-        <p:nvSpPr>
-          <p:cNvPr id="2" name="Title 1"/>
-          <p:cNvSpPr>
-            <a:spLocks noGrp="1"/>
-          </p:cNvSpPr>
-          <p:nvPr>
-            <p:ph type="title"/>
-          </p:nvPr>
-        </p:nvSpPr>
-        <p:spPr>
-          <a:xfrm>
-            <a:off x="990600" y="304800"/>
-            <a:ext cx="7107237" cy="1239839"/>
-          </a:xfrm>
-        </p:spPr>
-        <p:txBody>
-          <a:bodyPr/>
-          <a:lstStyle/>
-          <a:p>
-            <a:r>
-              <a:rPr lang="en-US" dirty="0" smtClean="0"/>
-              <a:t>TIDAL INTERACTIONS IN COALESCING BINARY NS’S</a:t>
-            </a:r>
-            <a:endParaRPr lang="en-US" dirty="0"/>
-          </a:p>
-        </p:txBody>
-      </p:sp>
-      <p:sp>
-        <p:nvSpPr>
-          <p:cNvPr id="3" name="Content Placeholder 2"/>
-          <p:cNvSpPr>
-            <a:spLocks noGrp="1"/>
-          </p:cNvSpPr>
-          <p:nvPr>
-            <p:ph idx="1"/>
-          </p:nvPr>
-        </p:nvSpPr>
-        <p:spPr>
-          <a:xfrm>
-            <a:off x="815975" y="1600200"/>
-            <a:ext cx="7221538" cy="4495800"/>
-          </a:xfrm>
-        </p:spPr>
-        <p:txBody>
-          <a:bodyPr/>
-          <a:lstStyle/>
-          <a:p>
-            <a:r>
-              <a:rPr lang="en-US" dirty="0" smtClean="0"/>
-              <a:t>BNS </a:t>
-            </a:r>
-            <a:r>
-              <a:rPr lang="mr-IN" dirty="0" smtClean="0"/>
-              <a:t>–</a:t>
-            </a:r>
-            <a:r>
-              <a:rPr lang="en-US" dirty="0" smtClean="0"/>
-              <a:t> Sources for ground GW detectors</a:t>
-            </a:r>
-          </a:p>
-          <a:p>
-            <a:r>
-              <a:rPr lang="en-US" dirty="0" smtClean="0"/>
-              <a:t>Orbital energy to NS internal energy </a:t>
-            </a:r>
-            <a:r>
-              <a:rPr lang="mr-IN" dirty="0" smtClean="0"/>
-              <a:t>–</a:t>
-            </a:r>
-            <a:r>
-              <a:rPr lang="en-US" dirty="0" smtClean="0"/>
-              <a:t> tidal phase shift</a:t>
-            </a:r>
-          </a:p>
-          <a:p>
-            <a:r>
-              <a:rPr lang="en-US" dirty="0" smtClean="0"/>
-              <a:t>Linear dynamic tides </a:t>
-            </a:r>
-            <a:r>
-              <a:rPr lang="mr-IN" dirty="0" smtClean="0"/>
-              <a:t>–</a:t>
-            </a:r>
-            <a:r>
-              <a:rPr lang="en-US" dirty="0" smtClean="0"/>
-              <a:t> driven H.O.</a:t>
-            </a:r>
-          </a:p>
-          <a:p>
-            <a:pPr lvl="1">
-              <a:lnSpc>
-                <a:spcPts val="1400"/>
-              </a:lnSpc>
-            </a:pPr>
-            <a:r>
-              <a:rPr lang="en-US" sz="1800" dirty="0" smtClean="0"/>
-              <a:t>NS g mode </a:t>
-            </a:r>
-            <a:r>
-              <a:rPr lang="en-US" sz="1800" dirty="0" err="1" smtClean="0"/>
-              <a:t>eigenfreq</a:t>
-            </a:r>
-            <a:r>
-              <a:rPr lang="en-US" sz="1800" dirty="0" smtClean="0"/>
-              <a:t> ~ orbital </a:t>
-            </a:r>
-            <a:r>
-              <a:rPr lang="en-US" sz="1800" dirty="0" err="1" smtClean="0"/>
-              <a:t>freq</a:t>
-            </a:r>
-            <a:r>
-              <a:rPr lang="en-US" sz="1800" dirty="0" smtClean="0"/>
-              <a:t> </a:t>
-            </a:r>
-          </a:p>
-          <a:p>
-            <a:r>
-              <a:rPr lang="en-US" dirty="0" smtClean="0"/>
-              <a:t>Normal fluid vs. superfluid</a:t>
-            </a:r>
-          </a:p>
-          <a:p>
-            <a:pPr lvl="1">
-              <a:lnSpc>
-                <a:spcPts val="1400"/>
-              </a:lnSpc>
-            </a:pPr>
-            <a:r>
-              <a:rPr lang="en-US" sz="1800" dirty="0" smtClean="0"/>
-              <a:t>Single fluid vs. two-fluid</a:t>
-            </a:r>
-          </a:p>
-          <a:p>
-            <a:pPr lvl="1">
-              <a:lnSpc>
-                <a:spcPts val="1400"/>
-              </a:lnSpc>
-            </a:pPr>
-            <a:r>
-              <a:rPr lang="en-US" sz="1800" dirty="0" smtClean="0"/>
-              <a:t>Different source of </a:t>
-            </a:r>
-            <a:r>
-              <a:rPr lang="en-US" sz="1800" dirty="0" err="1" smtClean="0"/>
-              <a:t>bouyancy</a:t>
-            </a:r>
-            <a:endParaRPr lang="en-US" sz="1800" dirty="0" smtClean="0"/>
-          </a:p>
-          <a:p>
-            <a:r>
-              <a:rPr lang="en-US" dirty="0" smtClean="0"/>
-              <a:t>The amplitude and frequency of the resonance probes the stratification, composition, and superfluid state of the core of NS.</a:t>
-            </a:r>
-          </a:p>
-          <a:p>
-            <a:endParaRPr lang="en-US" dirty="0" smtClean="0"/>
-          </a:p>
-        </p:txBody>
-      </p:sp>
-      <p:sp>
-        <p:nvSpPr>
-          <p:cNvPr id="4" name="Slide Number Placeholder 3"/>
-          <p:cNvSpPr>
-            <a:spLocks noGrp="1"/>
-          </p:cNvSpPr>
-          <p:nvPr>
-            <p:ph type="sldNum" sz="quarter" idx="10"/>
-          </p:nvPr>
-        </p:nvSpPr>
-        <p:spPr/>
-        <p:txBody>
-          <a:bodyPr/>
-          <a:lstStyle/>
-          <a:p>
-            <a:r>
-              <a:rPr lang="en-US" smtClean="0"/>
-              <a:t>Hang Yu, 01/28/2017</a:t>
-            </a:r>
-          </a:p>
-          <a:p>
-            <a:r>
-              <a:rPr lang="en-US" smtClean="0"/>
-              <a:t>Page </a:t>
-            </a:r>
-            <a:fld id="{162C6750-5235-4A4D-958D-651A0012696B}" type="slidenum">
-              <a:rPr lang="en-US" smtClean="0"/>
-              <a:pPr/>
-              <a:t>6</a:t>
             </a:fld>
             <a:endParaRPr lang="en-US" dirty="0"/>
           </a:p>
@@ -7910,7 +8839,7 @@
 </p:sld>
 </file>
 
-<file path=ppt/slides/slide7.xml><?xml version="1.0" encoding="utf-8"?>
+<file path=ppt/slides/slide5.xml><?xml version="1.0" encoding="utf-8"?>
 <p:sld xmlns:a="http://schemas.openxmlformats.org/drawingml/2006/main" xmlns:r="http://schemas.openxmlformats.org/officeDocument/2006/relationships" xmlns:p="http://schemas.openxmlformats.org/presentationml/2006/main">
   <p:cSld>
     <p:spTree>
@@ -8010,19 +8939,27 @@
           <a:lstStyle/>
           <a:p>
             <a:r>
-              <a:rPr lang="en-US" smtClean="0"/>
-              <a:t>Hang Yu, 01/28/2017</a:t>
-            </a:r>
-          </a:p>
-          <a:p>
-            <a:r>
-              <a:rPr lang="en-US" smtClean="0"/>
+              <a:rPr lang="en-US" dirty="0" smtClean="0"/>
+              <a:t>Hang Yu, </a:t>
+            </a:r>
+            <a:r>
+              <a:rPr lang="en-US" dirty="0" smtClean="0"/>
+              <a:t>04/26/</a:t>
+            </a:r>
+            <a:r>
+              <a:rPr lang="en-US" dirty="0" smtClean="0"/>
+              <a:t>2017</a:t>
+            </a:r>
+          </a:p>
+          <a:p>
+            <a:r>
+              <a:rPr lang="en-US" dirty="0" smtClean="0"/>
               <a:t>Page </a:t>
             </a:r>
             <a:fld id="{162C6750-5235-4A4D-958D-651A0012696B}" type="slidenum">
               <a:rPr lang="en-US" smtClean="0"/>
               <a:pPr/>
-              <a:t>7</a:t>
+              <a:t>5</a:t>
             </a:fld>
             <a:endParaRPr lang="en-US" dirty="0"/>
           </a:p>
@@ -8100,7 +9037,7 @@
 </p:sld>
 </file>
 
-<file path=ppt/slides/slide8.xml><?xml version="1.0" encoding="utf-8"?>
+<file path=ppt/slides/slide6.xml><?xml version="1.0" encoding="utf-8"?>
 <p:sld xmlns:a="http://schemas.openxmlformats.org/drawingml/2006/main" xmlns:r="http://schemas.openxmlformats.org/officeDocument/2006/relationships" xmlns:p="http://schemas.openxmlformats.org/presentationml/2006/main">
   <p:cSld>
     <p:spTree>
@@ -8117,118 +9054,16 @@
           <a:chExt cx="0" cy="0"/>
         </a:xfrm>
       </p:grpSpPr>
-      <p:sp>
-        <p:nvSpPr>
-          <p:cNvPr id="2" name="Title 1"/>
-          <p:cNvSpPr>
-            <a:spLocks noGrp="1"/>
-          </p:cNvSpPr>
-          <p:nvPr>
-            <p:ph type="title"/>
-          </p:nvPr>
-        </p:nvSpPr>
-        <p:spPr>
-          <a:xfrm>
-            <a:off x="1023940" y="588961"/>
-            <a:ext cx="7434260" cy="1239839"/>
-          </a:xfrm>
-        </p:spPr>
-        <p:txBody>
-          <a:bodyPr/>
-          <a:lstStyle/>
-          <a:p>
-            <a:pPr>
-              <a:lnSpc>
-                <a:spcPts val="3000"/>
-              </a:lnSpc>
-            </a:pPr>
-            <a:r>
-              <a:rPr lang="en-US" dirty="0" smtClean="0"/>
-              <a:t>NS with Hyperons in the inner core</a:t>
-            </a:r>
-            <a:br>
-              <a:rPr lang="en-US" dirty="0" smtClean="0"/>
-            </a:br>
-            <a:r>
-              <a:rPr lang="en-US" sz="1800" b="0" i="1" dirty="0" smtClean="0"/>
-              <a:t>(submitted to MNRAS)</a:t>
-            </a:r>
-            <a:endParaRPr lang="en-US" sz="1800" b="0" i="1" dirty="0"/>
-          </a:p>
-        </p:txBody>
-      </p:sp>
       <p:pic>
         <p:nvPicPr>
-          <p:cNvPr id="5" name="Content Placeholder 4" descr="Screen Shot 2017-04-08 at 3.34.14 PM.png"/>
-          <p:cNvPicPr>
-            <a:picLocks noGrp="1" noChangeAspect="1"/>
-          </p:cNvPicPr>
-          <p:nvPr>
-            <p:ph idx="1"/>
-          </p:nvPr>
-        </p:nvPicPr>
-        <p:blipFill rotWithShape="1">
-          <a:blip r:embed="rId2">
-            <a:extLst>
-              <a:ext uri="{28A0092B-C50C-407E-A947-70E740481C1C}">
-                <a14:useLocalDpi xmlns:a14="http://schemas.microsoft.com/office/drawing/2010/main" val="0"/>
-              </a:ext>
-            </a:extLst>
-          </a:blip>
-          <a:srcRect l="5415" t="5555" r="1861"/>
-          <a:stretch/>
-        </p:blipFill>
-        <p:spPr>
-          <a:xfrm>
-            <a:off x="0" y="1752600"/>
-            <a:ext cx="4267201" cy="3886200"/>
-          </a:xfrm>
-        </p:spPr>
-      </p:pic>
-      <p:sp>
-        <p:nvSpPr>
-          <p:cNvPr id="4" name="Slide Number Placeholder 3"/>
-          <p:cNvSpPr>
-            <a:spLocks noGrp="1"/>
-          </p:cNvSpPr>
-          <p:nvPr>
-            <p:ph type="sldNum" sz="quarter" idx="10"/>
-          </p:nvPr>
-        </p:nvSpPr>
-        <p:spPr/>
-        <p:txBody>
-          <a:bodyPr/>
-          <a:lstStyle/>
-          <a:p>
-            <a:r>
-              <a:rPr lang="en-US" smtClean="0"/>
-              <a:t>Hang Yu, 01/28/2017</a:t>
-            </a:r>
-          </a:p>
-          <a:p>
-            <a:r>
-              <a:rPr lang="en-US" smtClean="0"/>
-              <a:t>Page </a:t>
-            </a:r>
-            <a:fld id="{162C6750-5235-4A4D-958D-651A0012696B}" type="slidenum">
-              <a:rPr lang="en-US" smtClean="0"/>
-              <a:pPr/>
-              <a:t>8</a:t>
-            </a:fld>
-            <a:endParaRPr lang="en-US" dirty="0"/>
-          </a:p>
-        </p:txBody>
-      </p:sp>
-      <p:pic>
-        <p:nvPicPr>
-          <p:cNvPr id="6" name="Picture 5" descr="Screen Shot 2017-04-08 at 3.34.50 PM.png"/>
+          <p:cNvPr id="3" name="Picture 2" descr="Screen Shot 2017-04-25 at 12.38.05 PM.png"/>
           <p:cNvPicPr>
             <a:picLocks noChangeAspect="1"/>
           </p:cNvPicPr>
           <p:nvPr/>
         </p:nvPicPr>
         <p:blipFill>
-          <a:blip r:embed="rId3">
+          <a:blip r:embed="rId2">
             <a:extLst>
               <a:ext uri="{28A0092B-C50C-407E-A947-70E740481C1C}">
                 <a14:useLocalDpi xmlns:a14="http://schemas.microsoft.com/office/drawing/2010/main" val="0"/>
@@ -8241,17 +9076,127 @@
         </p:blipFill>
         <p:spPr>
           <a:xfrm>
-            <a:off x="3987800" y="1295400"/>
-            <a:ext cx="5156200" cy="2540000"/>
+            <a:off x="1295400" y="925713"/>
+            <a:ext cx="6245476" cy="3103904"/>
           </a:xfrm>
           <a:prstGeom prst="rect">
             <a:avLst/>
           </a:prstGeom>
         </p:spPr>
       </p:pic>
+      <p:sp>
+        <p:nvSpPr>
+          <p:cNvPr id="2" name="Title 1"/>
+          <p:cNvSpPr>
+            <a:spLocks noGrp="1"/>
+          </p:cNvSpPr>
+          <p:nvPr>
+            <p:ph type="title"/>
+          </p:nvPr>
+        </p:nvSpPr>
+        <p:spPr>
+          <a:xfrm>
+            <a:off x="990600" y="25400"/>
+            <a:ext cx="7434260" cy="1239839"/>
+          </a:xfrm>
+        </p:spPr>
+        <p:txBody>
+          <a:bodyPr/>
+          <a:lstStyle/>
+          <a:p>
+            <a:pPr>
+              <a:lnSpc>
+                <a:spcPts val="3000"/>
+              </a:lnSpc>
+            </a:pPr>
+            <a:r>
+              <a:rPr lang="en-US" dirty="0" smtClean="0"/>
+              <a:t>NS with Hyperons in the inner core</a:t>
+            </a:r>
+            <a:br>
+              <a:rPr lang="en-US" dirty="0" smtClean="0"/>
+            </a:br>
+            <a:r>
+              <a:rPr lang="en-US" sz="1800" b="0" i="1" dirty="0" smtClean="0"/>
+              <a:t>(submitted to MNRAS)</a:t>
+            </a:r>
+            <a:endParaRPr lang="en-US" sz="1800" b="0" i="1" dirty="0"/>
+          </a:p>
+        </p:txBody>
+      </p:sp>
       <p:pic>
         <p:nvPicPr>
-          <p:cNvPr id="7" name="Picture 6" descr="Screen Shot 2017-04-08 at 3.35.55 PM.png"/>
+          <p:cNvPr id="5" name="Content Placeholder 4" descr="Screen Shot 2017-04-08 at 3.34.14 PM.png"/>
+          <p:cNvPicPr>
+            <a:picLocks noGrp="1" noChangeAspect="1"/>
+          </p:cNvPicPr>
+          <p:nvPr>
+            <p:ph idx="1"/>
+          </p:nvPr>
+        </p:nvPicPr>
+        <p:blipFill rotWithShape="1">
+          <a:blip r:embed="rId3">
+            <a:extLst>
+              <a:ext uri="{28A0092B-C50C-407E-A947-70E740481C1C}">
+                <a14:useLocalDpi xmlns:a14="http://schemas.microsoft.com/office/drawing/2010/main" val="0"/>
+              </a:ext>
+            </a:extLst>
+          </a:blip>
+          <a:srcRect l="5415" t="5555" r="1861"/>
+          <a:stretch/>
+        </p:blipFill>
+        <p:spPr>
+          <a:xfrm>
+            <a:off x="304800" y="3429000"/>
+            <a:ext cx="3526613" cy="3211735"/>
+          </a:xfrm>
+        </p:spPr>
+      </p:pic>
+      <p:sp>
+        <p:nvSpPr>
+          <p:cNvPr id="4" name="Slide Number Placeholder 3"/>
+          <p:cNvSpPr>
+            <a:spLocks noGrp="1"/>
+          </p:cNvSpPr>
+          <p:nvPr>
+            <p:ph type="sldNum" sz="quarter" idx="10"/>
+          </p:nvPr>
+        </p:nvSpPr>
+        <p:spPr/>
+        <p:txBody>
+          <a:bodyPr/>
+          <a:lstStyle/>
+          <a:p>
+            <a:r>
+              <a:rPr lang="en-US" dirty="0" smtClean="0"/>
+              <a:t>Hang Yu, </a:t>
+            </a:r>
+            <a:r>
+              <a:rPr lang="en-US" dirty="0" smtClean="0"/>
+              <a:t>04/26/</a:t>
+            </a:r>
+            <a:r>
+              <a:rPr lang="en-US" dirty="0" smtClean="0"/>
+              <a:t>2017</a:t>
+            </a:r>
+          </a:p>
+          <a:p>
+            <a:r>
+              <a:rPr lang="en-US" dirty="0" smtClean="0"/>
+              <a:t>Page </a:t>
+            </a:r>
+            <a:fld id="{162C6750-5235-4A4D-958D-651A0012696B}" type="slidenum">
+              <a:rPr lang="en-US" smtClean="0"/>
+              <a:pPr/>
+              <a:t>6</a:t>
+            </a:fld>
+            <a:endParaRPr lang="en-US" dirty="0"/>
+          </a:p>
+        </p:txBody>
+      </p:sp>
+      <p:pic>
+        <p:nvPicPr>
+          <p:cNvPr id="6" name="Picture 5" descr="Screen Shot 2017-04-08 at 3.34.50 PM.png"/>
           <p:cNvPicPr>
             <a:picLocks noChangeAspect="1"/>
           </p:cNvPicPr>
@@ -8271,8 +9216,8 @@
         </p:blipFill>
         <p:spPr>
           <a:xfrm>
-            <a:off x="4267200" y="3733800"/>
-            <a:ext cx="4560455" cy="3151909"/>
+            <a:off x="4075545" y="3505200"/>
+            <a:ext cx="4687455" cy="2309091"/>
           </a:xfrm>
           <a:prstGeom prst="rect">
             <a:avLst/>
@@ -8283,6 +9228,567 @@
     <p:extLst>
       <p:ext uri="{BB962C8B-B14F-4D97-AF65-F5344CB8AC3E}">
         <p14:creationId xmlns:p14="http://schemas.microsoft.com/office/powerpoint/2010/main" val="987062"/>
+      </p:ext>
+    </p:extLst>
+  </p:cSld>
+  <p:clrMapOvr>
+    <a:masterClrMapping/>
+  </p:clrMapOvr>
+</p:sld>
+</file>
+
+<file path=ppt/slides/slide7.xml><?xml version="1.0" encoding="utf-8"?>
+<p:sld xmlns:a="http://schemas.openxmlformats.org/drawingml/2006/main" xmlns:r="http://schemas.openxmlformats.org/officeDocument/2006/relationships" xmlns:p="http://schemas.openxmlformats.org/presentationml/2006/main">
+  <p:cSld>
+    <p:spTree>
+      <p:nvGrpSpPr>
+        <p:cNvPr id="1" name=""/>
+        <p:cNvGrpSpPr/>
+        <p:nvPr/>
+      </p:nvGrpSpPr>
+      <p:grpSpPr>
+        <a:xfrm>
+          <a:off x="0" y="0"/>
+          <a:ext cx="0" cy="0"/>
+          <a:chOff x="0" y="0"/>
+          <a:chExt cx="0" cy="0"/>
+        </a:xfrm>
+      </p:grpSpPr>
+      <p:sp>
+        <p:nvSpPr>
+          <p:cNvPr id="4" name="Slide Number Placeholder 3"/>
+          <p:cNvSpPr>
+            <a:spLocks noGrp="1"/>
+          </p:cNvSpPr>
+          <p:nvPr>
+            <p:ph type="sldNum" sz="quarter" idx="10"/>
+          </p:nvPr>
+        </p:nvSpPr>
+        <p:spPr/>
+        <p:txBody>
+          <a:bodyPr/>
+          <a:lstStyle/>
+          <a:p>
+            <a:r>
+              <a:rPr lang="en-US" dirty="0" smtClean="0"/>
+              <a:t>Hang Yu, 04/26/2017</a:t>
+            </a:r>
+          </a:p>
+          <a:p>
+            <a:r>
+              <a:rPr lang="en-US" dirty="0" smtClean="0"/>
+              <a:t>Page </a:t>
+            </a:r>
+            <a:fld id="{162C6750-5235-4A4D-958D-651A0012696B}" type="slidenum">
+              <a:rPr lang="en-US" smtClean="0"/>
+              <a:pPr/>
+              <a:t>7</a:t>
+            </a:fld>
+            <a:endParaRPr lang="en-US" dirty="0"/>
+          </a:p>
+        </p:txBody>
+      </p:sp>
+      <p:sp>
+        <p:nvSpPr>
+          <p:cNvPr id="5" name="Title 1"/>
+          <p:cNvSpPr txBox="1">
+            <a:spLocks/>
+          </p:cNvSpPr>
+          <p:nvPr/>
+        </p:nvSpPr>
+        <p:spPr bwMode="auto">
+          <a:xfrm>
+            <a:off x="990600" y="228600"/>
+            <a:ext cx="7434260" cy="1239839"/>
+          </a:xfrm>
+          <a:prstGeom prst="rect">
+            <a:avLst/>
+          </a:prstGeom>
+          <a:noFill/>
+          <a:ln>
+            <a:noFill/>
+          </a:ln>
+          <a:effectLst/>
+          <a:extLst>
+            <a:ext uri="{909E8E84-426E-40dd-AFC4-6F175D3DCCD1}">
+              <a14:hiddenFill xmlns:a14="http://schemas.microsoft.com/office/drawing/2010/main">
+                <a:solidFill>
+                  <a:schemeClr val="accent1"/>
+                </a:solidFill>
+              </a14:hiddenFill>
+            </a:ext>
+            <a:ext uri="{91240B29-F687-4f45-9708-019B960494DF}">
+              <a14:hiddenLine xmlns:a14="http://schemas.microsoft.com/office/drawing/2010/main" w="9525">
+                <a:solidFill>
+                  <a:schemeClr val="tx1"/>
+                </a:solidFill>
+                <a:miter lim="800000"/>
+                <a:headEnd/>
+                <a:tailEnd/>
+              </a14:hiddenLine>
+            </a:ext>
+            <a:ext uri="{AF507438-7753-43e0-B8FC-AC1667EBCBE1}">
+              <a14:hiddenEffects xmlns:a14="http://schemas.microsoft.com/office/drawing/2010/main">
+                <a:effectLst>
+                  <a:outerShdw blurRad="63500" dist="38099" dir="2700000" algn="ctr" rotWithShape="0">
+                    <a:schemeClr val="bg2">
+                      <a:alpha val="74998"/>
+                    </a:schemeClr>
+                  </a:outerShdw>
+                </a:effectLst>
+              </a14:hiddenEffects>
+            </a:ext>
+            <a:ext uri="{FAA26D3D-D897-4be2-8F04-BA451C77F1D7}">
+              <ma14:placeholderFlag xmlns:ma14="http://schemas.microsoft.com/office/mac/drawingml/2011/main" val="1"/>
+            </a:ext>
+          </a:extLst>
+        </p:spPr>
+        <p:txBody>
+          <a:bodyPr vert="horz" wrap="square" lIns="91440" tIns="45720" rIns="91440" bIns="45720" numCol="1" anchor="ctr" anchorCtr="0" compatLnSpc="1">
+            <a:prstTxWarp prst="textNoShape">
+              <a:avLst/>
+            </a:prstTxWarp>
+          </a:bodyPr>
+          <a:lstStyle>
+            <a:lvl1pPr algn="l" rtl="0" eaLnBrk="0" fontAlgn="base" hangingPunct="0">
+              <a:lnSpc>
+                <a:spcPts val="4000"/>
+              </a:lnSpc>
+              <a:spcBef>
+                <a:spcPct val="0"/>
+              </a:spcBef>
+              <a:spcAft>
+                <a:spcPct val="0"/>
+              </a:spcAft>
+              <a:defRPr sz="3400" b="1">
+                <a:solidFill>
+                  <a:srgbClr val="993333"/>
+                </a:solidFill>
+                <a:latin typeface="+mj-lt"/>
+                <a:ea typeface="ＭＳ Ｐゴシック" charset="0"/>
+                <a:cs typeface="Geneva" charset="0"/>
+              </a:defRPr>
+            </a:lvl1pPr>
+            <a:lvl2pPr algn="l" rtl="0" eaLnBrk="0" fontAlgn="base" hangingPunct="0">
+              <a:lnSpc>
+                <a:spcPts val="4000"/>
+              </a:lnSpc>
+              <a:spcBef>
+                <a:spcPct val="0"/>
+              </a:spcBef>
+              <a:spcAft>
+                <a:spcPct val="0"/>
+              </a:spcAft>
+              <a:defRPr sz="3400" b="1">
+                <a:solidFill>
+                  <a:srgbClr val="993333"/>
+                </a:solidFill>
+                <a:latin typeface="Arial" charset="0"/>
+                <a:ea typeface="ＭＳ Ｐゴシック" charset="0"/>
+                <a:cs typeface="Geneva" charset="0"/>
+              </a:defRPr>
+            </a:lvl2pPr>
+            <a:lvl3pPr algn="l" rtl="0" eaLnBrk="0" fontAlgn="base" hangingPunct="0">
+              <a:lnSpc>
+                <a:spcPts val="4000"/>
+              </a:lnSpc>
+              <a:spcBef>
+                <a:spcPct val="0"/>
+              </a:spcBef>
+              <a:spcAft>
+                <a:spcPct val="0"/>
+              </a:spcAft>
+              <a:defRPr sz="3400" b="1">
+                <a:solidFill>
+                  <a:srgbClr val="993333"/>
+                </a:solidFill>
+                <a:latin typeface="Arial" charset="0"/>
+                <a:ea typeface="ＭＳ Ｐゴシック" charset="0"/>
+                <a:cs typeface="Geneva" charset="0"/>
+              </a:defRPr>
+            </a:lvl3pPr>
+            <a:lvl4pPr algn="l" rtl="0" eaLnBrk="0" fontAlgn="base" hangingPunct="0">
+              <a:lnSpc>
+                <a:spcPts val="4000"/>
+              </a:lnSpc>
+              <a:spcBef>
+                <a:spcPct val="0"/>
+              </a:spcBef>
+              <a:spcAft>
+                <a:spcPct val="0"/>
+              </a:spcAft>
+              <a:defRPr sz="3400" b="1">
+                <a:solidFill>
+                  <a:srgbClr val="993333"/>
+                </a:solidFill>
+                <a:latin typeface="Arial" charset="0"/>
+                <a:ea typeface="ＭＳ Ｐゴシック" charset="0"/>
+                <a:cs typeface="Geneva" charset="0"/>
+              </a:defRPr>
+            </a:lvl4pPr>
+            <a:lvl5pPr algn="l" rtl="0" eaLnBrk="0" fontAlgn="base" hangingPunct="0">
+              <a:lnSpc>
+                <a:spcPts val="4000"/>
+              </a:lnSpc>
+              <a:spcBef>
+                <a:spcPct val="0"/>
+              </a:spcBef>
+              <a:spcAft>
+                <a:spcPct val="0"/>
+              </a:spcAft>
+              <a:defRPr sz="3400" b="1">
+                <a:solidFill>
+                  <a:srgbClr val="993333"/>
+                </a:solidFill>
+                <a:latin typeface="Arial" charset="0"/>
+                <a:ea typeface="ＭＳ Ｐゴシック" charset="0"/>
+                <a:cs typeface="Geneva" charset="0"/>
+              </a:defRPr>
+            </a:lvl5pPr>
+            <a:lvl6pPr marL="457200" algn="l" rtl="0" eaLnBrk="0" fontAlgn="base" hangingPunct="0">
+              <a:lnSpc>
+                <a:spcPts val="4000"/>
+              </a:lnSpc>
+              <a:spcBef>
+                <a:spcPct val="0"/>
+              </a:spcBef>
+              <a:spcAft>
+                <a:spcPct val="0"/>
+              </a:spcAft>
+              <a:defRPr sz="3400" b="1">
+                <a:solidFill>
+                  <a:srgbClr val="993333"/>
+                </a:solidFill>
+                <a:latin typeface="Arial" charset="0"/>
+                <a:ea typeface="Geneva" charset="0"/>
+              </a:defRPr>
+            </a:lvl6pPr>
+            <a:lvl7pPr marL="914400" algn="l" rtl="0" eaLnBrk="0" fontAlgn="base" hangingPunct="0">
+              <a:lnSpc>
+                <a:spcPts val="4000"/>
+              </a:lnSpc>
+              <a:spcBef>
+                <a:spcPct val="0"/>
+              </a:spcBef>
+              <a:spcAft>
+                <a:spcPct val="0"/>
+              </a:spcAft>
+              <a:defRPr sz="3400" b="1">
+                <a:solidFill>
+                  <a:srgbClr val="993333"/>
+                </a:solidFill>
+                <a:latin typeface="Arial" charset="0"/>
+                <a:ea typeface="Geneva" charset="0"/>
+              </a:defRPr>
+            </a:lvl7pPr>
+            <a:lvl8pPr marL="1371600" algn="l" rtl="0" eaLnBrk="0" fontAlgn="base" hangingPunct="0">
+              <a:lnSpc>
+                <a:spcPts val="4000"/>
+              </a:lnSpc>
+              <a:spcBef>
+                <a:spcPct val="0"/>
+              </a:spcBef>
+              <a:spcAft>
+                <a:spcPct val="0"/>
+              </a:spcAft>
+              <a:defRPr sz="3400" b="1">
+                <a:solidFill>
+                  <a:srgbClr val="993333"/>
+                </a:solidFill>
+                <a:latin typeface="Arial" charset="0"/>
+                <a:ea typeface="Geneva" charset="0"/>
+              </a:defRPr>
+            </a:lvl8pPr>
+            <a:lvl9pPr marL="1828800" algn="l" rtl="0" eaLnBrk="0" fontAlgn="base" hangingPunct="0">
+              <a:lnSpc>
+                <a:spcPts val="4000"/>
+              </a:lnSpc>
+              <a:spcBef>
+                <a:spcPct val="0"/>
+              </a:spcBef>
+              <a:spcAft>
+                <a:spcPct val="0"/>
+              </a:spcAft>
+              <a:defRPr sz="3400" b="1">
+                <a:solidFill>
+                  <a:srgbClr val="993333"/>
+                </a:solidFill>
+                <a:latin typeface="Arial" charset="0"/>
+                <a:ea typeface="Geneva" charset="0"/>
+              </a:defRPr>
+            </a:lvl9pPr>
+          </a:lstStyle>
+          <a:p>
+            <a:pPr>
+              <a:lnSpc>
+                <a:spcPts val="3000"/>
+              </a:lnSpc>
+            </a:pPr>
+            <a:r>
+              <a:rPr lang="en-US" dirty="0" smtClean="0"/>
+              <a:t>NS with Hyperons in the inner core</a:t>
+            </a:r>
+            <a:br>
+              <a:rPr lang="en-US" dirty="0" smtClean="0"/>
+            </a:br>
+            <a:r>
+              <a:rPr lang="en-US" sz="1800" b="0" i="1" dirty="0" smtClean="0"/>
+              <a:t>(submitted to MNRAS)</a:t>
+            </a:r>
+            <a:endParaRPr lang="en-US" sz="1800" b="0" i="1" dirty="0"/>
+          </a:p>
+        </p:txBody>
+      </p:sp>
+      <p:sp>
+        <p:nvSpPr>
+          <p:cNvPr id="7" name="Content Placeholder 6"/>
+          <p:cNvSpPr>
+            <a:spLocks noGrp="1"/>
+          </p:cNvSpPr>
+          <p:nvPr>
+            <p:ph idx="1"/>
+          </p:nvPr>
+        </p:nvSpPr>
+        <p:spPr/>
+        <p:txBody>
+          <a:bodyPr/>
+          <a:lstStyle/>
+          <a:p>
+            <a:endParaRPr lang="en-US" dirty="0"/>
+          </a:p>
+        </p:txBody>
+      </p:sp>
+      <p:pic>
+        <p:nvPicPr>
+          <p:cNvPr id="8" name="Picture 7" descr="Screen Shot 2017-04-25 at 12.50.25 PM.png"/>
+          <p:cNvPicPr>
+            <a:picLocks noChangeAspect="1"/>
+          </p:cNvPicPr>
+          <p:nvPr/>
+        </p:nvPicPr>
+        <p:blipFill>
+          <a:blip r:embed="rId2">
+            <a:extLst>
+              <a:ext uri="{28A0092B-C50C-407E-A947-70E740481C1C}">
+                <a14:useLocalDpi xmlns:a14="http://schemas.microsoft.com/office/drawing/2010/main" val="0"/>
+              </a:ext>
+            </a:extLst>
+          </a:blip>
+          <a:stretch>
+            <a:fillRect/>
+          </a:stretch>
+        </p:blipFill>
+        <p:spPr>
+          <a:xfrm>
+            <a:off x="1414896" y="1447800"/>
+            <a:ext cx="6199909" cy="4456545"/>
+          </a:xfrm>
+          <a:prstGeom prst="rect">
+            <a:avLst/>
+          </a:prstGeom>
+        </p:spPr>
+      </p:pic>
+    </p:spTree>
+    <p:extLst>
+      <p:ext uri="{BB962C8B-B14F-4D97-AF65-F5344CB8AC3E}">
+        <p14:creationId xmlns:p14="http://schemas.microsoft.com/office/powerpoint/2010/main" val="3198213485"/>
+      </p:ext>
+    </p:extLst>
+  </p:cSld>
+  <p:clrMapOvr>
+    <a:masterClrMapping/>
+  </p:clrMapOvr>
+</p:sld>
+</file>
+
+<file path=ppt/slides/slide8.xml><?xml version="1.0" encoding="utf-8"?>
+<p:sld xmlns:a="http://schemas.openxmlformats.org/drawingml/2006/main" xmlns:r="http://schemas.openxmlformats.org/officeDocument/2006/relationships" xmlns:p="http://schemas.openxmlformats.org/presentationml/2006/main">
+  <p:cSld>
+    <p:spTree>
+      <p:nvGrpSpPr>
+        <p:cNvPr id="1" name=""/>
+        <p:cNvGrpSpPr/>
+        <p:nvPr/>
+      </p:nvGrpSpPr>
+      <p:grpSpPr>
+        <a:xfrm>
+          <a:off x="0" y="0"/>
+          <a:ext cx="0" cy="0"/>
+          <a:chOff x="0" y="0"/>
+          <a:chExt cx="0" cy="0"/>
+        </a:xfrm>
+      </p:grpSpPr>
+      <p:sp>
+        <p:nvSpPr>
+          <p:cNvPr id="2" name="Title 1"/>
+          <p:cNvSpPr>
+            <a:spLocks noGrp="1"/>
+          </p:cNvSpPr>
+          <p:nvPr>
+            <p:ph type="title"/>
+          </p:nvPr>
+        </p:nvSpPr>
+        <p:spPr>
+          <a:xfrm>
+            <a:off x="990600" y="588961"/>
+            <a:ext cx="7107237" cy="1239839"/>
+          </a:xfrm>
+        </p:spPr>
+        <p:txBody>
+          <a:bodyPr/>
+          <a:lstStyle/>
+          <a:p>
+            <a:pPr>
+              <a:lnSpc>
+                <a:spcPts val="3000"/>
+              </a:lnSpc>
+            </a:pPr>
+            <a:r>
+              <a:rPr lang="en-US" dirty="0" smtClean="0"/>
+              <a:t>EXPOSING ASHES IN TYPE I X-RAY BURSTS </a:t>
+            </a:r>
+            <a:br>
+              <a:rPr lang="en-US" dirty="0" smtClean="0"/>
+            </a:br>
+            <a:r>
+              <a:rPr lang="en-US" sz="1800" b="0" i="1" dirty="0" smtClean="0"/>
+              <a:t>(ongoing)</a:t>
+            </a:r>
+            <a:endParaRPr lang="en-US" sz="1800" b="0" i="1" dirty="0"/>
+          </a:p>
+        </p:txBody>
+      </p:sp>
+      <p:sp>
+        <p:nvSpPr>
+          <p:cNvPr id="3" name="Content Placeholder 2"/>
+          <p:cNvSpPr>
+            <a:spLocks noGrp="1"/>
+          </p:cNvSpPr>
+          <p:nvPr>
+            <p:ph idx="1"/>
+          </p:nvPr>
+        </p:nvSpPr>
+        <p:spPr>
+          <a:xfrm>
+            <a:off x="838200" y="1600200"/>
+            <a:ext cx="7221538" cy="4191000"/>
+          </a:xfrm>
+        </p:spPr>
+        <p:txBody>
+          <a:bodyPr/>
+          <a:lstStyle/>
+          <a:p>
+            <a:r>
+              <a:rPr lang="en-US" dirty="0" smtClean="0"/>
+              <a:t>Type I X-ray bursts: run-away thermonuclear burning of H and/or He on the surface of an NS. </a:t>
+            </a:r>
+          </a:p>
+          <a:p>
+            <a:r>
+              <a:rPr lang="en-US" dirty="0" smtClean="0"/>
+              <a:t>A small fraction exhibits strong </a:t>
+            </a:r>
+            <a:r>
+              <a:rPr lang="en-US" dirty="0" err="1" smtClean="0"/>
+              <a:t>photospheric</a:t>
+            </a:r>
+            <a:r>
+              <a:rPr lang="en-US" dirty="0" smtClean="0"/>
+              <a:t> expansion.</a:t>
+            </a:r>
+          </a:p>
+          <a:p>
+            <a:r>
+              <a:rPr lang="en-US" dirty="0" smtClean="0"/>
+              <a:t>The freshly synthesized heavy-element ashes can be ejected in </a:t>
+            </a:r>
+            <a:r>
+              <a:rPr lang="en-US" dirty="0" err="1" smtClean="0"/>
+              <a:t>radiative</a:t>
+            </a:r>
+            <a:r>
+              <a:rPr lang="en-US" dirty="0" smtClean="0"/>
+              <a:t> </a:t>
+            </a:r>
+            <a:r>
+              <a:rPr lang="en-US" dirty="0" smtClean="0"/>
+              <a:t>wind. </a:t>
+            </a:r>
+          </a:p>
+          <a:p>
+            <a:r>
+              <a:rPr lang="en-US" dirty="0" smtClean="0"/>
+              <a:t>Ashes -&gt; source of opacity -&gt; absorption edges in spectra.</a:t>
+            </a:r>
+          </a:p>
+          <a:p>
+            <a:r>
+              <a:rPr lang="en-US" dirty="0" smtClean="0"/>
+              <a:t>Measure surface gravity via redshift of the edge location. </a:t>
+            </a:r>
+          </a:p>
+          <a:p>
+            <a:r>
+              <a:rPr lang="en-US" dirty="0" smtClean="0"/>
+              <a:t>Constrain </a:t>
+            </a:r>
+            <a:r>
+              <a:rPr lang="en-US" dirty="0" err="1" smtClean="0"/>
+              <a:t>EoS</a:t>
+            </a:r>
+            <a:r>
+              <a:rPr lang="en-US" dirty="0" smtClean="0"/>
+              <a:t>.</a:t>
+            </a:r>
+          </a:p>
+        </p:txBody>
+      </p:sp>
+      <p:sp>
+        <p:nvSpPr>
+          <p:cNvPr id="4" name="Slide Number Placeholder 3"/>
+          <p:cNvSpPr>
+            <a:spLocks noGrp="1"/>
+          </p:cNvSpPr>
+          <p:nvPr>
+            <p:ph type="sldNum" sz="quarter" idx="10"/>
+          </p:nvPr>
+        </p:nvSpPr>
+        <p:spPr/>
+        <p:txBody>
+          <a:bodyPr/>
+          <a:lstStyle/>
+          <a:p>
+            <a:r>
+              <a:rPr lang="en-US" dirty="0" smtClean="0"/>
+              <a:t>Hang Yu, </a:t>
+            </a:r>
+            <a:r>
+              <a:rPr lang="en-US" dirty="0" smtClean="0"/>
+              <a:t>04/26/</a:t>
+            </a:r>
+            <a:r>
+              <a:rPr lang="en-US" dirty="0" smtClean="0"/>
+              <a:t>2017</a:t>
+            </a:r>
+          </a:p>
+          <a:p>
+            <a:r>
+              <a:rPr lang="en-US" dirty="0" smtClean="0"/>
+              <a:t>Page </a:t>
+            </a:r>
+            <a:fld id="{162C6750-5235-4A4D-958D-651A0012696B}" type="slidenum">
+              <a:rPr lang="en-US" smtClean="0"/>
+              <a:pPr/>
+              <a:t>8</a:t>
+            </a:fld>
+            <a:endParaRPr lang="en-US" dirty="0"/>
+          </a:p>
+        </p:txBody>
+      </p:sp>
+    </p:spTree>
+    <p:extLst>
+      <p:ext uri="{BB962C8B-B14F-4D97-AF65-F5344CB8AC3E}">
+        <p14:creationId xmlns:p14="http://schemas.microsoft.com/office/powerpoint/2010/main" val="3038324168"/>
       </p:ext>
     </p:extLst>
   </p:cSld>
@@ -8319,86 +9825,45 @@
             <p:ph type="title"/>
           </p:nvPr>
         </p:nvSpPr>
-        <p:spPr>
-          <a:xfrm>
-            <a:off x="762000" y="457200"/>
-            <a:ext cx="7967660" cy="1239839"/>
-          </a:xfrm>
-        </p:spPr>
+        <p:spPr/>
         <p:txBody>
           <a:bodyPr/>
           <a:lstStyle/>
           <a:p>
-            <a:r>
-              <a:rPr lang="en-US" dirty="0" smtClean="0"/>
-              <a:t>II. IMPROVING THE PERFORMANCE OF GW DETECTORS </a:t>
-            </a:r>
             <a:endParaRPr lang="en-US" dirty="0"/>
           </a:p>
         </p:txBody>
       </p:sp>
-      <p:sp>
-        <p:nvSpPr>
-          <p:cNvPr id="3" name="Content Placeholder 2"/>
-          <p:cNvSpPr>
-            <a:spLocks noGrp="1"/>
-          </p:cNvSpPr>
+      <p:pic>
+        <p:nvPicPr>
+          <p:cNvPr id="5" name="Content Placeholder 4" descr="movie.gif"/>
+          <p:cNvPicPr>
+            <a:picLocks noGrp="1" noChangeAspect="1"/>
+          </p:cNvPicPr>
           <p:nvPr>
             <p:ph idx="1"/>
           </p:nvPr>
-        </p:nvSpPr>
+        </p:nvPicPr>
+        <p:blipFill>
+          <a:blip r:embed="rId2">
+            <a:extLst>
+              <a:ext uri="{28A0092B-C50C-407E-A947-70E740481C1C}">
+                <a14:useLocalDpi xmlns:a14="http://schemas.microsoft.com/office/drawing/2010/main" val="0"/>
+              </a:ext>
+            </a:extLst>
+          </a:blip>
+          <a:srcRect l="-15904" r="-15904"/>
+          <a:stretch>
+            <a:fillRect/>
+          </a:stretch>
+        </p:blipFill>
         <p:spPr>
           <a:xfrm>
-            <a:off x="815975" y="1676400"/>
-            <a:ext cx="7221538" cy="4419600"/>
+            <a:off x="-1219200" y="76200"/>
+            <a:ext cx="11634700" cy="6629400"/>
           </a:xfrm>
         </p:spPr>
-        <p:txBody>
-          <a:bodyPr/>
-          <a:lstStyle/>
-          <a:p>
-            <a:r>
-              <a:rPr lang="en-US" dirty="0" smtClean="0"/>
-              <a:t>II.1 LIGO commissioning: alignment sensing and control (ASC)</a:t>
-            </a:r>
-          </a:p>
-          <a:p>
-            <a:r>
-              <a:rPr lang="en-US" dirty="0" smtClean="0"/>
-              <a:t>II.2 </a:t>
-            </a:r>
-            <a:r>
-              <a:rPr lang="en-US" dirty="0" err="1" smtClean="0"/>
-              <a:t>GWcleaning</a:t>
-            </a:r>
-            <a:r>
-              <a:rPr lang="en-US" dirty="0" smtClean="0"/>
-              <a:t>: feed-forward noise cancellation</a:t>
-            </a:r>
-          </a:p>
-          <a:p>
-            <a:r>
-              <a:rPr lang="en-US" dirty="0" smtClean="0"/>
-              <a:t>II.3 Enhanced chi-</a:t>
-            </a:r>
-            <a:r>
-              <a:rPr lang="en-US" dirty="0" err="1" smtClean="0"/>
-              <a:t>sq</a:t>
-            </a:r>
-            <a:r>
-              <a:rPr lang="en-US" dirty="0" smtClean="0"/>
-              <a:t> glitch vetoing</a:t>
-            </a:r>
-          </a:p>
-          <a:p>
-            <a:r>
-              <a:rPr lang="en-US" dirty="0" smtClean="0"/>
-              <a:t>(II.4 Coating thermal noise)</a:t>
-            </a:r>
-            <a:endParaRPr lang="en-US" dirty="0"/>
-          </a:p>
-        </p:txBody>
-      </p:sp>
+      </p:pic>
       <p:sp>
         <p:nvSpPr>
           <p:cNvPr id="4" name="Slide Number Placeholder 3"/>
@@ -8415,13 +9880,21 @@
           <a:lstStyle/>
           <a:p>
             <a:r>
-              <a:rPr lang="en-US" smtClean="0"/>
-              <a:t>Hang Yu, 01/28/2017</a:t>
-            </a:r>
-          </a:p>
-          <a:p>
-            <a:r>
-              <a:rPr lang="en-US" smtClean="0"/>
+              <a:rPr lang="en-US" dirty="0" smtClean="0"/>
+              <a:t>Hang Yu, </a:t>
+            </a:r>
+            <a:r>
+              <a:rPr lang="en-US" dirty="0" smtClean="0"/>
+              <a:t>04/26/</a:t>
+            </a:r>
+            <a:r>
+              <a:rPr lang="en-US" dirty="0" smtClean="0"/>
+              <a:t>2017</a:t>
+            </a:r>
+          </a:p>
+          <a:p>
+            <a:r>
+              <a:rPr lang="en-US" dirty="0" smtClean="0"/>
               <a:t>Page </a:t>
             </a:r>
             <a:fld id="{162C6750-5235-4A4D-958D-651A0012696B}" type="slidenum">
@@ -8436,7 +9909,7 @@
     </p:spTree>
     <p:extLst>
       <p:ext uri="{BB962C8B-B14F-4D97-AF65-F5344CB8AC3E}">
-        <p14:creationId xmlns:p14="http://schemas.microsoft.com/office/powerpoint/2010/main" val="2207623910"/>
+        <p14:creationId xmlns:p14="http://schemas.microsoft.com/office/powerpoint/2010/main" val="3838789120"/>
       </p:ext>
     </p:extLst>
   </p:cSld>
